--- a/Music is My Life (가제).pptx
+++ b/Music is My Life (가제).pptx
@@ -6,7 +6,10 @@
   </p:sldMasterIdLst>
   <p:sldIdLst>
     <p:sldId id="256" r:id="rId2"/>
-    <p:sldId id="257" r:id="rId3"/>
+    <p:sldId id="259" r:id="rId3"/>
+    <p:sldId id="257" r:id="rId4"/>
+    <p:sldId id="258" r:id="rId5"/>
+    <p:sldId id="260" r:id="rId6"/>
   </p:sldIdLst>
   <p:sldSz cx="12192000" cy="6858000"/>
   <p:notesSz cx="6858000" cy="9144000"/>
@@ -4503,6 +4506,2516 @@
           </a:p>
         </p:txBody>
       </p:sp>
+      <p:sp>
+        <p:nvSpPr>
+          <p:cNvPr id="32" name="직사각형 31">
+            <a:extLst>
+              <a:ext uri="{FF2B5EF4-FFF2-40B4-BE49-F238E27FC236}">
+                <a16:creationId xmlns:a16="http://schemas.microsoft.com/office/drawing/2014/main" id="{528C4ACB-16BC-78DB-62F4-879A36B3F5D4}"/>
+              </a:ext>
+            </a:extLst>
+          </p:cNvPr>
+          <p:cNvSpPr/>
+          <p:nvPr/>
+        </p:nvSpPr>
+        <p:spPr>
+          <a:xfrm>
+            <a:off x="4625128" y="3697867"/>
+            <a:ext cx="865465" cy="218114"/>
+          </a:xfrm>
+          <a:prstGeom prst="rect">
+            <a:avLst/>
+          </a:prstGeom>
+          <a:noFill/>
+          <a:ln>
+            <a:noFill/>
+          </a:ln>
+        </p:spPr>
+        <p:style>
+          <a:lnRef idx="2">
+            <a:schemeClr val="accent1">
+              <a:shade val="15000"/>
+            </a:schemeClr>
+          </a:lnRef>
+          <a:fillRef idx="1">
+            <a:schemeClr val="accent1"/>
+          </a:fillRef>
+          <a:effectRef idx="0">
+            <a:schemeClr val="accent1"/>
+          </a:effectRef>
+          <a:fontRef idx="minor">
+            <a:schemeClr val="lt1"/>
+          </a:fontRef>
+        </p:style>
+        <p:txBody>
+          <a:bodyPr rtlCol="0" anchor="ctr"/>
+          <a:lstStyle/>
+          <a:p>
+            <a:r>
+              <a:rPr lang="ko-KR" altLang="en-US" sz="1100" dirty="0">
+                <a:solidFill>
+                  <a:schemeClr val="tx1">
+                    <a:lumMod val="50000"/>
+                    <a:lumOff val="50000"/>
+                  </a:schemeClr>
+                </a:solidFill>
+              </a:rPr>
+              <a:t>공감    </a:t>
+            </a:r>
+            <a:r>
+              <a:rPr lang="en-US" altLang="ko-KR" sz="1100" dirty="0">
+                <a:solidFill>
+                  <a:schemeClr val="tx1"/>
+                </a:solidFill>
+              </a:rPr>
+              <a:t>5</a:t>
+            </a:r>
+            <a:endParaRPr lang="ko-KR" altLang="en-US" sz="1100" dirty="0">
+              <a:solidFill>
+                <a:schemeClr val="tx1"/>
+              </a:solidFill>
+            </a:endParaRPr>
+          </a:p>
+        </p:txBody>
+      </p:sp>
+      <p:pic>
+        <p:nvPicPr>
+          <p:cNvPr id="1042" name="Picture 18" descr="좋아요, 좋아요 아이콘 로열티 무료 사진, 그림, 이미지 그리고 스톡포토그래피. Image 119203073">
+            <a:extLst>
+              <a:ext uri="{FF2B5EF4-FFF2-40B4-BE49-F238E27FC236}">
+                <a16:creationId xmlns:a16="http://schemas.microsoft.com/office/drawing/2014/main" id="{F1226B35-E937-1D92-A9D1-394298B94608}"/>
+              </a:ext>
+            </a:extLst>
+          </p:cNvPr>
+          <p:cNvPicPr>
+            <a:picLocks noChangeAspect="1" noChangeArrowheads="1"/>
+          </p:cNvPicPr>
+          <p:nvPr/>
+        </p:nvPicPr>
+        <p:blipFill>
+          <a:blip r:embed="rId6">
+            <a:clrChange>
+              <a:clrFrom>
+                <a:srgbClr val="FFFFFF"/>
+              </a:clrFrom>
+              <a:clrTo>
+                <a:srgbClr val="FFFFFF">
+                  <a:alpha val="0"/>
+                </a:srgbClr>
+              </a:clrTo>
+            </a:clrChange>
+            <a:extLst>
+              <a:ext uri="{28A0092B-C50C-407E-A947-70E740481C1C}">
+                <a14:useLocalDpi xmlns:a14="http://schemas.microsoft.com/office/drawing/2010/main" val="0"/>
+              </a:ext>
+            </a:extLst>
+          </a:blip>
+          <a:srcRect/>
+          <a:stretch>
+            <a:fillRect/>
+          </a:stretch>
+        </p:blipFill>
+        <p:spPr bwMode="auto">
+          <a:xfrm>
+            <a:off x="4973463" y="3683556"/>
+            <a:ext cx="236097" cy="232425"/>
+          </a:xfrm>
+          <a:prstGeom prst="rect">
+            <a:avLst/>
+          </a:prstGeom>
+          <a:noFill/>
+          <a:extLst>
+            <a:ext uri="{909E8E84-426E-40DD-AFC4-6F175D3DCCD1}">
+              <a14:hiddenFill xmlns:a14="http://schemas.microsoft.com/office/drawing/2010/main">
+                <a:solidFill>
+                  <a:srgbClr val="FFFFFF"/>
+                </a:solidFill>
+              </a14:hiddenFill>
+            </a:ext>
+          </a:extLst>
+        </p:spPr>
+      </p:pic>
+      <p:sp>
+        <p:nvSpPr>
+          <p:cNvPr id="34" name="직사각형 33">
+            <a:extLst>
+              <a:ext uri="{FF2B5EF4-FFF2-40B4-BE49-F238E27FC236}">
+                <a16:creationId xmlns:a16="http://schemas.microsoft.com/office/drawing/2014/main" id="{012A3043-25FE-4366-A800-F0446716ACDB}"/>
+              </a:ext>
+            </a:extLst>
+          </p:cNvPr>
+          <p:cNvSpPr/>
+          <p:nvPr/>
+        </p:nvSpPr>
+        <p:spPr>
+          <a:xfrm>
+            <a:off x="5735974" y="2400037"/>
+            <a:ext cx="2871131" cy="1266739"/>
+          </a:xfrm>
+          <a:prstGeom prst="rect">
+            <a:avLst/>
+          </a:prstGeom>
+          <a:noFill/>
+        </p:spPr>
+        <p:style>
+          <a:lnRef idx="2">
+            <a:schemeClr val="accent1">
+              <a:shade val="15000"/>
+            </a:schemeClr>
+          </a:lnRef>
+          <a:fillRef idx="1">
+            <a:schemeClr val="accent1"/>
+          </a:fillRef>
+          <a:effectRef idx="0">
+            <a:schemeClr val="accent1"/>
+          </a:effectRef>
+          <a:fontRef idx="minor">
+            <a:schemeClr val="lt1"/>
+          </a:fontRef>
+        </p:style>
+        <p:txBody>
+          <a:bodyPr rtlCol="0" anchor="ctr"/>
+          <a:lstStyle/>
+          <a:p>
+            <a:pPr algn="ctr"/>
+            <a:endParaRPr lang="ko-KR" altLang="en-US" dirty="0"/>
+          </a:p>
+        </p:txBody>
+      </p:sp>
+      <p:sp>
+        <p:nvSpPr>
+          <p:cNvPr id="35" name="직사각형 34">
+            <a:extLst>
+              <a:ext uri="{FF2B5EF4-FFF2-40B4-BE49-F238E27FC236}">
+                <a16:creationId xmlns:a16="http://schemas.microsoft.com/office/drawing/2014/main" id="{5D8EC749-3E72-BD23-033A-0670E7FEBB23}"/>
+              </a:ext>
+            </a:extLst>
+          </p:cNvPr>
+          <p:cNvSpPr/>
+          <p:nvPr/>
+        </p:nvSpPr>
+        <p:spPr>
+          <a:xfrm>
+            <a:off x="5735974" y="3666777"/>
+            <a:ext cx="2871131" cy="2919371"/>
+          </a:xfrm>
+          <a:prstGeom prst="rect">
+            <a:avLst/>
+          </a:prstGeom>
+          <a:noFill/>
+        </p:spPr>
+        <p:style>
+          <a:lnRef idx="2">
+            <a:schemeClr val="accent1">
+              <a:shade val="15000"/>
+            </a:schemeClr>
+          </a:lnRef>
+          <a:fillRef idx="1">
+            <a:schemeClr val="accent1"/>
+          </a:fillRef>
+          <a:effectRef idx="0">
+            <a:schemeClr val="accent1"/>
+          </a:effectRef>
+          <a:fontRef idx="minor">
+            <a:schemeClr val="lt1"/>
+          </a:fontRef>
+        </p:style>
+        <p:txBody>
+          <a:bodyPr rtlCol="0" anchor="t"/>
+          <a:lstStyle/>
+          <a:p>
+            <a:r>
+              <a:rPr lang="ko-KR" altLang="en-US" sz="1400" dirty="0">
+                <a:solidFill>
+                  <a:schemeClr val="tx1"/>
+                </a:solidFill>
+              </a:rPr>
+              <a:t>제목</a:t>
+            </a:r>
+            <a:r>
+              <a:rPr lang="en-US" altLang="ko-KR" sz="1400" dirty="0">
+                <a:solidFill>
+                  <a:schemeClr val="tx1"/>
+                </a:solidFill>
+              </a:rPr>
+              <a:t>: Node</a:t>
+            </a:r>
+          </a:p>
+          <a:p>
+            <a:r>
+              <a:rPr lang="ko-KR" altLang="en-US" sz="1400" dirty="0">
+                <a:solidFill>
+                  <a:schemeClr val="tx1"/>
+                </a:solidFill>
+              </a:rPr>
+              <a:t>가수</a:t>
+            </a:r>
+            <a:r>
+              <a:rPr lang="en-US" altLang="ko-KR" sz="1400" dirty="0">
+                <a:solidFill>
+                  <a:schemeClr val="tx1"/>
+                </a:solidFill>
+              </a:rPr>
+              <a:t>: </a:t>
+            </a:r>
+            <a:r>
+              <a:rPr lang="ko-KR" altLang="en-US" sz="1400" dirty="0" err="1">
+                <a:solidFill>
+                  <a:schemeClr val="tx1"/>
+                </a:solidFill>
+              </a:rPr>
+              <a:t>정혜승</a:t>
+            </a:r>
+            <a:endParaRPr lang="en-US" altLang="ko-KR" sz="1400" dirty="0">
+              <a:solidFill>
+                <a:schemeClr val="tx1"/>
+              </a:solidFill>
+            </a:endParaRPr>
+          </a:p>
+          <a:p>
+            <a:endParaRPr lang="en-US" altLang="ko-KR" sz="1400" dirty="0">
+              <a:solidFill>
+                <a:schemeClr val="tx1"/>
+              </a:solidFill>
+            </a:endParaRPr>
+          </a:p>
+          <a:p>
+            <a:r>
+              <a:rPr lang="ko-KR" altLang="en-US" sz="1400" dirty="0">
+                <a:solidFill>
+                  <a:schemeClr val="tx1"/>
+                </a:solidFill>
+              </a:rPr>
+              <a:t>작성자</a:t>
+            </a:r>
+            <a:r>
+              <a:rPr lang="en-US" altLang="ko-KR" sz="1400" dirty="0">
+                <a:solidFill>
+                  <a:schemeClr val="tx1"/>
+                </a:solidFill>
+              </a:rPr>
+              <a:t>: </a:t>
+            </a:r>
+            <a:r>
+              <a:rPr lang="ko-KR" altLang="en-US" sz="1400" dirty="0">
+                <a:solidFill>
+                  <a:schemeClr val="tx1"/>
+                </a:solidFill>
+              </a:rPr>
+              <a:t>김성진</a:t>
+            </a:r>
+            <a:endParaRPr lang="en-US" altLang="ko-KR" sz="1400" dirty="0">
+              <a:solidFill>
+                <a:schemeClr val="tx1"/>
+              </a:solidFill>
+            </a:endParaRPr>
+          </a:p>
+          <a:p>
+            <a:r>
+              <a:rPr lang="ko-KR" altLang="en-US" sz="1400" dirty="0">
+                <a:solidFill>
+                  <a:schemeClr val="tx1"/>
+                </a:solidFill>
+              </a:rPr>
+              <a:t>추천 이유</a:t>
+            </a:r>
+            <a:r>
+              <a:rPr lang="en-US" altLang="ko-KR" sz="1400" dirty="0">
+                <a:solidFill>
+                  <a:schemeClr val="tx1"/>
+                </a:solidFill>
+              </a:rPr>
+              <a:t>:</a:t>
+            </a:r>
+          </a:p>
+          <a:p>
+            <a:endParaRPr lang="en-US" altLang="ko-KR" sz="1400" dirty="0">
+              <a:solidFill>
+                <a:schemeClr val="tx1"/>
+              </a:solidFill>
+            </a:endParaRPr>
+          </a:p>
+          <a:p>
+            <a:endParaRPr lang="en-US" altLang="ko-KR" sz="1400" dirty="0">
+              <a:solidFill>
+                <a:schemeClr val="tx1"/>
+              </a:solidFill>
+            </a:endParaRPr>
+          </a:p>
+          <a:p>
+            <a:endParaRPr lang="en-US" altLang="ko-KR" sz="1400" dirty="0">
+              <a:solidFill>
+                <a:schemeClr val="tx1"/>
+              </a:solidFill>
+            </a:endParaRPr>
+          </a:p>
+          <a:p>
+            <a:endParaRPr lang="en-US" altLang="ko-KR" sz="1400" dirty="0">
+              <a:solidFill>
+                <a:schemeClr val="tx1"/>
+              </a:solidFill>
+            </a:endParaRPr>
+          </a:p>
+          <a:p>
+            <a:endParaRPr lang="en-US" altLang="ko-KR" sz="1400" dirty="0">
+              <a:solidFill>
+                <a:schemeClr val="tx1"/>
+              </a:solidFill>
+            </a:endParaRPr>
+          </a:p>
+          <a:p>
+            <a:endParaRPr lang="en-US" altLang="ko-KR" sz="1400" dirty="0">
+              <a:solidFill>
+                <a:schemeClr val="tx1"/>
+              </a:solidFill>
+            </a:endParaRPr>
+          </a:p>
+          <a:p>
+            <a:r>
+              <a:rPr lang="ko-KR" altLang="en-US" sz="1400" dirty="0">
+                <a:solidFill>
+                  <a:schemeClr val="tx1"/>
+                </a:solidFill>
+              </a:rPr>
+              <a:t>카테고리</a:t>
+            </a:r>
+            <a:r>
+              <a:rPr lang="en-US" altLang="ko-KR" sz="1400" dirty="0">
+                <a:solidFill>
+                  <a:schemeClr val="tx1"/>
+                </a:solidFill>
+              </a:rPr>
+              <a:t>: K-Pop, </a:t>
+            </a:r>
+            <a:r>
+              <a:rPr lang="ko-KR" altLang="en-US" sz="1400" dirty="0">
+                <a:solidFill>
+                  <a:schemeClr val="tx1"/>
+                </a:solidFill>
+              </a:rPr>
+              <a:t>발라드</a:t>
+            </a:r>
+            <a:endParaRPr lang="en-US" altLang="ko-KR" sz="1400" dirty="0">
+              <a:solidFill>
+                <a:schemeClr val="tx1"/>
+              </a:solidFill>
+            </a:endParaRPr>
+          </a:p>
+          <a:p>
+            <a:endParaRPr lang="en-US" altLang="ko-KR" sz="1400" dirty="0">
+              <a:solidFill>
+                <a:schemeClr val="tx1"/>
+              </a:solidFill>
+            </a:endParaRPr>
+          </a:p>
+          <a:p>
+            <a:endParaRPr lang="en-US" altLang="ko-KR" sz="1400" dirty="0">
+              <a:solidFill>
+                <a:schemeClr val="tx1"/>
+              </a:solidFill>
+            </a:endParaRPr>
+          </a:p>
+          <a:p>
+            <a:endParaRPr lang="en-US" altLang="ko-KR" sz="1400" dirty="0">
+              <a:solidFill>
+                <a:schemeClr val="tx1"/>
+              </a:solidFill>
+            </a:endParaRPr>
+          </a:p>
+          <a:p>
+            <a:endParaRPr lang="en-US" altLang="ko-KR" sz="1400" dirty="0">
+              <a:solidFill>
+                <a:schemeClr val="tx1"/>
+              </a:solidFill>
+            </a:endParaRPr>
+          </a:p>
+          <a:p>
+            <a:endParaRPr lang="en-US" altLang="ko-KR" sz="1400" dirty="0">
+              <a:solidFill>
+                <a:schemeClr val="tx1"/>
+              </a:solidFill>
+            </a:endParaRPr>
+          </a:p>
+        </p:txBody>
+      </p:sp>
+      <p:sp>
+        <p:nvSpPr>
+          <p:cNvPr id="36" name="직사각형 35">
+            <a:extLst>
+              <a:ext uri="{FF2B5EF4-FFF2-40B4-BE49-F238E27FC236}">
+                <a16:creationId xmlns:a16="http://schemas.microsoft.com/office/drawing/2014/main" id="{8132F7D1-87D5-1FFC-473D-AE7C5A8A422D}"/>
+              </a:ext>
+            </a:extLst>
+          </p:cNvPr>
+          <p:cNvSpPr/>
+          <p:nvPr/>
+        </p:nvSpPr>
+        <p:spPr>
+          <a:xfrm>
+            <a:off x="5858312" y="4817468"/>
+            <a:ext cx="2631347" cy="1072394"/>
+          </a:xfrm>
+          <a:prstGeom prst="rect">
+            <a:avLst/>
+          </a:prstGeom>
+          <a:noFill/>
+        </p:spPr>
+        <p:style>
+          <a:lnRef idx="2">
+            <a:schemeClr val="accent1">
+              <a:shade val="15000"/>
+            </a:schemeClr>
+          </a:lnRef>
+          <a:fillRef idx="1">
+            <a:schemeClr val="accent1"/>
+          </a:fillRef>
+          <a:effectRef idx="0">
+            <a:schemeClr val="accent1"/>
+          </a:effectRef>
+          <a:fontRef idx="minor">
+            <a:schemeClr val="lt1"/>
+          </a:fontRef>
+        </p:style>
+        <p:txBody>
+          <a:bodyPr rtlCol="0" anchor="t"/>
+          <a:lstStyle/>
+          <a:p>
+            <a:r>
+              <a:rPr lang="ko-KR" altLang="en-US" sz="1200" dirty="0">
+                <a:solidFill>
+                  <a:schemeClr val="tx1"/>
+                </a:solidFill>
+              </a:rPr>
+              <a:t>이유가 많음</a:t>
+            </a:r>
+            <a:r>
+              <a:rPr lang="en-US" altLang="ko-KR" sz="1200" dirty="0">
+                <a:solidFill>
+                  <a:schemeClr val="tx1"/>
+                </a:solidFill>
+              </a:rPr>
+              <a:t>…</a:t>
+            </a:r>
+          </a:p>
+          <a:p>
+            <a:r>
+              <a:rPr lang="ko-KR" altLang="en-US" sz="1200" dirty="0">
+                <a:solidFill>
+                  <a:schemeClr val="tx1"/>
+                </a:solidFill>
+              </a:rPr>
+              <a:t>그냥 많음</a:t>
+            </a:r>
+            <a:endParaRPr lang="en-US" altLang="ko-KR" sz="1200" dirty="0">
+              <a:solidFill>
+                <a:schemeClr val="tx1"/>
+              </a:solidFill>
+            </a:endParaRPr>
+          </a:p>
+          <a:p>
+            <a:r>
+              <a:rPr lang="ko-KR" altLang="en-US" sz="1200" dirty="0">
+                <a:solidFill>
+                  <a:schemeClr val="tx1"/>
+                </a:solidFill>
+              </a:rPr>
+              <a:t>등등</a:t>
+            </a:r>
+          </a:p>
+        </p:txBody>
+      </p:sp>
+      <p:pic>
+        <p:nvPicPr>
+          <p:cNvPr id="37" name="Picture 16" descr="재생 버튼을 로열티 무료 사진, 그림, 이미지 그리고 스톡포토그래피. Image 24887723">
+            <a:extLst>
+              <a:ext uri="{FF2B5EF4-FFF2-40B4-BE49-F238E27FC236}">
+                <a16:creationId xmlns:a16="http://schemas.microsoft.com/office/drawing/2014/main" id="{7C3CA4DC-4ADF-6623-BFCB-6F581158111E}"/>
+              </a:ext>
+            </a:extLst>
+          </p:cNvPr>
+          <p:cNvPicPr>
+            <a:picLocks noChangeAspect="1" noChangeArrowheads="1"/>
+          </p:cNvPicPr>
+          <p:nvPr/>
+        </p:nvPicPr>
+        <p:blipFill>
+          <a:blip r:embed="rId5">
+            <a:clrChange>
+              <a:clrFrom>
+                <a:srgbClr val="FFFFFF"/>
+              </a:clrFrom>
+              <a:clrTo>
+                <a:srgbClr val="FFFFFF">
+                  <a:alpha val="0"/>
+                </a:srgbClr>
+              </a:clrTo>
+            </a:clrChange>
+            <a:extLst>
+              <a:ext uri="{28A0092B-C50C-407E-A947-70E740481C1C}">
+                <a14:useLocalDpi xmlns:a14="http://schemas.microsoft.com/office/drawing/2010/main" val="0"/>
+              </a:ext>
+            </a:extLst>
+          </a:blip>
+          <a:srcRect/>
+          <a:stretch>
+            <a:fillRect/>
+          </a:stretch>
+        </p:blipFill>
+        <p:spPr bwMode="auto">
+          <a:xfrm>
+            <a:off x="6792729" y="2752245"/>
+            <a:ext cx="757621" cy="562323"/>
+          </a:xfrm>
+          <a:prstGeom prst="rect">
+            <a:avLst/>
+          </a:prstGeom>
+          <a:noFill/>
+          <a:extLst>
+            <a:ext uri="{909E8E84-426E-40DD-AFC4-6F175D3DCCD1}">
+              <a14:hiddenFill xmlns:a14="http://schemas.microsoft.com/office/drawing/2010/main">
+                <a:solidFill>
+                  <a:srgbClr val="FFFFFF"/>
+                </a:solidFill>
+              </a14:hiddenFill>
+            </a:ext>
+          </a:extLst>
+        </p:spPr>
+      </p:pic>
+      <p:grpSp>
+        <p:nvGrpSpPr>
+          <p:cNvPr id="38" name="그룹 37">
+            <a:extLst>
+              <a:ext uri="{FF2B5EF4-FFF2-40B4-BE49-F238E27FC236}">
+                <a16:creationId xmlns:a16="http://schemas.microsoft.com/office/drawing/2014/main" id="{CED84285-9016-AA71-FA97-822EA26C71BA}"/>
+              </a:ext>
+            </a:extLst>
+          </p:cNvPr>
+          <p:cNvGrpSpPr/>
+          <p:nvPr/>
+        </p:nvGrpSpPr>
+        <p:grpSpPr>
+          <a:xfrm>
+            <a:off x="7868173" y="3683554"/>
+            <a:ext cx="865465" cy="232425"/>
+            <a:chOff x="4572000" y="3811069"/>
+            <a:chExt cx="865465" cy="232425"/>
+          </a:xfrm>
+        </p:grpSpPr>
+        <p:sp>
+          <p:nvSpPr>
+            <p:cNvPr id="39" name="직사각형 38">
+              <a:extLst>
+                <a:ext uri="{FF2B5EF4-FFF2-40B4-BE49-F238E27FC236}">
+                  <a16:creationId xmlns:a16="http://schemas.microsoft.com/office/drawing/2014/main" id="{03530201-A78F-1214-2D0D-8617373589D6}"/>
+                </a:ext>
+              </a:extLst>
+            </p:cNvPr>
+            <p:cNvSpPr/>
+            <p:nvPr/>
+          </p:nvSpPr>
+          <p:spPr>
+            <a:xfrm>
+              <a:off x="4572000" y="3825380"/>
+              <a:ext cx="865465" cy="218114"/>
+            </a:xfrm>
+            <a:prstGeom prst="rect">
+              <a:avLst/>
+            </a:prstGeom>
+            <a:noFill/>
+            <a:ln>
+              <a:noFill/>
+            </a:ln>
+          </p:spPr>
+          <p:style>
+            <a:lnRef idx="2">
+              <a:schemeClr val="accent1">
+                <a:shade val="15000"/>
+              </a:schemeClr>
+            </a:lnRef>
+            <a:fillRef idx="1">
+              <a:schemeClr val="accent1"/>
+            </a:fillRef>
+            <a:effectRef idx="0">
+              <a:schemeClr val="accent1"/>
+            </a:effectRef>
+            <a:fontRef idx="minor">
+              <a:schemeClr val="lt1"/>
+            </a:fontRef>
+          </p:style>
+          <p:txBody>
+            <a:bodyPr rtlCol="0" anchor="ctr"/>
+            <a:lstStyle/>
+            <a:p>
+              <a:r>
+                <a:rPr lang="ko-KR" altLang="en-US" sz="1100" dirty="0">
+                  <a:solidFill>
+                    <a:schemeClr val="tx1">
+                      <a:lumMod val="50000"/>
+                      <a:lumOff val="50000"/>
+                    </a:schemeClr>
+                  </a:solidFill>
+                </a:rPr>
+                <a:t>공감    </a:t>
+              </a:r>
+              <a:r>
+                <a:rPr lang="en-US" altLang="ko-KR" sz="1100" dirty="0">
+                  <a:solidFill>
+                    <a:schemeClr val="tx1"/>
+                  </a:solidFill>
+                </a:rPr>
+                <a:t>6</a:t>
+              </a:r>
+              <a:endParaRPr lang="ko-KR" altLang="en-US" sz="1100" dirty="0">
+                <a:solidFill>
+                  <a:schemeClr val="tx1"/>
+                </a:solidFill>
+              </a:endParaRPr>
+            </a:p>
+          </p:txBody>
+        </p:sp>
+        <p:pic>
+          <p:nvPicPr>
+            <p:cNvPr id="40" name="Picture 18" descr="좋아요, 좋아요 아이콘 로열티 무료 사진, 그림, 이미지 그리고 스톡포토그래피. Image 119203073">
+              <a:extLst>
+                <a:ext uri="{FF2B5EF4-FFF2-40B4-BE49-F238E27FC236}">
+                  <a16:creationId xmlns:a16="http://schemas.microsoft.com/office/drawing/2014/main" id="{CFF1EF45-AE45-0060-BBD7-2CE883465732}"/>
+                </a:ext>
+              </a:extLst>
+            </p:cNvPr>
+            <p:cNvPicPr>
+              <a:picLocks noChangeAspect="1" noChangeArrowheads="1"/>
+            </p:cNvPicPr>
+            <p:nvPr/>
+          </p:nvPicPr>
+          <p:blipFill>
+            <a:blip r:embed="rId6">
+              <a:clrChange>
+                <a:clrFrom>
+                  <a:srgbClr val="FFFFFF"/>
+                </a:clrFrom>
+                <a:clrTo>
+                  <a:srgbClr val="FFFFFF">
+                    <a:alpha val="0"/>
+                  </a:srgbClr>
+                </a:clrTo>
+              </a:clrChange>
+              <a:extLst>
+                <a:ext uri="{28A0092B-C50C-407E-A947-70E740481C1C}">
+                  <a14:useLocalDpi xmlns:a14="http://schemas.microsoft.com/office/drawing/2010/main" val="0"/>
+                </a:ext>
+              </a:extLst>
+            </a:blip>
+            <a:srcRect/>
+            <a:stretch>
+              <a:fillRect/>
+            </a:stretch>
+          </p:blipFill>
+          <p:spPr bwMode="auto">
+            <a:xfrm>
+              <a:off x="4920335" y="3811069"/>
+              <a:ext cx="236097" cy="232425"/>
+            </a:xfrm>
+            <a:prstGeom prst="rect">
+              <a:avLst/>
+            </a:prstGeom>
+            <a:noFill/>
+            <a:extLst>
+              <a:ext uri="{909E8E84-426E-40DD-AFC4-6F175D3DCCD1}">
+                <a14:hiddenFill xmlns:a14="http://schemas.microsoft.com/office/drawing/2010/main">
+                  <a:solidFill>
+                    <a:srgbClr val="FFFFFF"/>
+                  </a:solidFill>
+                </a14:hiddenFill>
+              </a:ext>
+            </a:extLst>
+          </p:spPr>
+        </p:pic>
+      </p:grpSp>
+      <p:sp>
+        <p:nvSpPr>
+          <p:cNvPr id="41" name="직사각형 40">
+            <a:extLst>
+              <a:ext uri="{FF2B5EF4-FFF2-40B4-BE49-F238E27FC236}">
+                <a16:creationId xmlns:a16="http://schemas.microsoft.com/office/drawing/2014/main" id="{BCF67FAB-1CC6-D31C-3397-A91EC8C697A0}"/>
+              </a:ext>
+            </a:extLst>
+          </p:cNvPr>
+          <p:cNvSpPr/>
+          <p:nvPr/>
+        </p:nvSpPr>
+        <p:spPr>
+          <a:xfrm>
+            <a:off x="8979020" y="2400038"/>
+            <a:ext cx="2871131" cy="1266739"/>
+          </a:xfrm>
+          <a:prstGeom prst="rect">
+            <a:avLst/>
+          </a:prstGeom>
+          <a:noFill/>
+        </p:spPr>
+        <p:style>
+          <a:lnRef idx="2">
+            <a:schemeClr val="accent1">
+              <a:shade val="15000"/>
+            </a:schemeClr>
+          </a:lnRef>
+          <a:fillRef idx="1">
+            <a:schemeClr val="accent1"/>
+          </a:fillRef>
+          <a:effectRef idx="0">
+            <a:schemeClr val="accent1"/>
+          </a:effectRef>
+          <a:fontRef idx="minor">
+            <a:schemeClr val="lt1"/>
+          </a:fontRef>
+        </p:style>
+        <p:txBody>
+          <a:bodyPr rtlCol="0" anchor="ctr"/>
+          <a:lstStyle/>
+          <a:p>
+            <a:pPr algn="ctr"/>
+            <a:endParaRPr lang="ko-KR" altLang="en-US" dirty="0"/>
+          </a:p>
+        </p:txBody>
+      </p:sp>
+      <p:sp>
+        <p:nvSpPr>
+          <p:cNvPr id="42" name="직사각형 41">
+            <a:extLst>
+              <a:ext uri="{FF2B5EF4-FFF2-40B4-BE49-F238E27FC236}">
+                <a16:creationId xmlns:a16="http://schemas.microsoft.com/office/drawing/2014/main" id="{5FF2C7FB-E4E2-9521-4A06-BFD333252C7B}"/>
+              </a:ext>
+            </a:extLst>
+          </p:cNvPr>
+          <p:cNvSpPr/>
+          <p:nvPr/>
+        </p:nvSpPr>
+        <p:spPr>
+          <a:xfrm>
+            <a:off x="8979020" y="3666778"/>
+            <a:ext cx="2871131" cy="2919371"/>
+          </a:xfrm>
+          <a:prstGeom prst="rect">
+            <a:avLst/>
+          </a:prstGeom>
+          <a:noFill/>
+        </p:spPr>
+        <p:style>
+          <a:lnRef idx="2">
+            <a:schemeClr val="accent1">
+              <a:shade val="15000"/>
+            </a:schemeClr>
+          </a:lnRef>
+          <a:fillRef idx="1">
+            <a:schemeClr val="accent1"/>
+          </a:fillRef>
+          <a:effectRef idx="0">
+            <a:schemeClr val="accent1"/>
+          </a:effectRef>
+          <a:fontRef idx="minor">
+            <a:schemeClr val="lt1"/>
+          </a:fontRef>
+        </p:style>
+        <p:txBody>
+          <a:bodyPr rtlCol="0" anchor="t"/>
+          <a:lstStyle/>
+          <a:p>
+            <a:r>
+              <a:rPr lang="ko-KR" altLang="en-US" sz="1400" dirty="0">
+                <a:solidFill>
+                  <a:schemeClr val="tx1"/>
+                </a:solidFill>
+              </a:rPr>
+              <a:t>제목</a:t>
+            </a:r>
+            <a:r>
+              <a:rPr lang="en-US" altLang="ko-KR" sz="1400" dirty="0">
+                <a:solidFill>
+                  <a:schemeClr val="tx1"/>
+                </a:solidFill>
+              </a:rPr>
+              <a:t>: </a:t>
+            </a:r>
+            <a:r>
+              <a:rPr lang="en-US" altLang="ko-KR" sz="1400" dirty="0" err="1">
+                <a:solidFill>
+                  <a:schemeClr val="tx1"/>
+                </a:solidFill>
+              </a:rPr>
+              <a:t>Javascript</a:t>
+            </a:r>
+            <a:endParaRPr lang="en-US" altLang="ko-KR" sz="1400" dirty="0">
+              <a:solidFill>
+                <a:schemeClr val="tx1"/>
+              </a:solidFill>
+            </a:endParaRPr>
+          </a:p>
+          <a:p>
+            <a:r>
+              <a:rPr lang="ko-KR" altLang="en-US" sz="1400" dirty="0">
+                <a:solidFill>
+                  <a:schemeClr val="tx1"/>
+                </a:solidFill>
+              </a:rPr>
+              <a:t>가수</a:t>
+            </a:r>
+            <a:r>
+              <a:rPr lang="en-US" altLang="ko-KR" sz="1400" dirty="0">
+                <a:solidFill>
+                  <a:schemeClr val="tx1"/>
+                </a:solidFill>
+              </a:rPr>
+              <a:t>: </a:t>
+            </a:r>
+            <a:r>
+              <a:rPr lang="ko-KR" altLang="en-US" sz="1400" dirty="0">
+                <a:solidFill>
+                  <a:schemeClr val="tx1"/>
+                </a:solidFill>
+              </a:rPr>
+              <a:t>윤민아</a:t>
+            </a:r>
+            <a:endParaRPr lang="en-US" altLang="ko-KR" sz="1400" dirty="0">
+              <a:solidFill>
+                <a:schemeClr val="tx1"/>
+              </a:solidFill>
+            </a:endParaRPr>
+          </a:p>
+          <a:p>
+            <a:endParaRPr lang="en-US" altLang="ko-KR" sz="1400" dirty="0">
+              <a:solidFill>
+                <a:schemeClr val="tx1"/>
+              </a:solidFill>
+            </a:endParaRPr>
+          </a:p>
+          <a:p>
+            <a:r>
+              <a:rPr lang="ko-KR" altLang="en-US" sz="1400" dirty="0">
+                <a:solidFill>
+                  <a:schemeClr val="tx1"/>
+                </a:solidFill>
+              </a:rPr>
+              <a:t>작성자</a:t>
+            </a:r>
+            <a:r>
+              <a:rPr lang="en-US" altLang="ko-KR" sz="1400" dirty="0">
+                <a:solidFill>
+                  <a:schemeClr val="tx1"/>
+                </a:solidFill>
+              </a:rPr>
+              <a:t>: </a:t>
+            </a:r>
+            <a:r>
+              <a:rPr lang="ko-KR" altLang="en-US" sz="1400" dirty="0" err="1">
+                <a:solidFill>
+                  <a:schemeClr val="tx1"/>
+                </a:solidFill>
+              </a:rPr>
+              <a:t>김라임</a:t>
+            </a:r>
+            <a:endParaRPr lang="en-US" altLang="ko-KR" sz="1400" dirty="0">
+              <a:solidFill>
+                <a:schemeClr val="tx1"/>
+              </a:solidFill>
+            </a:endParaRPr>
+          </a:p>
+          <a:p>
+            <a:r>
+              <a:rPr lang="ko-KR" altLang="en-US" sz="1400" dirty="0">
+                <a:solidFill>
+                  <a:schemeClr val="tx1"/>
+                </a:solidFill>
+              </a:rPr>
+              <a:t>추천 이유</a:t>
+            </a:r>
+            <a:r>
+              <a:rPr lang="en-US" altLang="ko-KR" sz="1400" dirty="0">
+                <a:solidFill>
+                  <a:schemeClr val="tx1"/>
+                </a:solidFill>
+              </a:rPr>
+              <a:t>:</a:t>
+            </a:r>
+          </a:p>
+          <a:p>
+            <a:endParaRPr lang="en-US" altLang="ko-KR" sz="1400" dirty="0">
+              <a:solidFill>
+                <a:schemeClr val="tx1"/>
+              </a:solidFill>
+            </a:endParaRPr>
+          </a:p>
+          <a:p>
+            <a:endParaRPr lang="en-US" altLang="ko-KR" sz="1400" dirty="0">
+              <a:solidFill>
+                <a:schemeClr val="tx1"/>
+              </a:solidFill>
+            </a:endParaRPr>
+          </a:p>
+          <a:p>
+            <a:endParaRPr lang="en-US" altLang="ko-KR" sz="1400" dirty="0">
+              <a:solidFill>
+                <a:schemeClr val="tx1"/>
+              </a:solidFill>
+            </a:endParaRPr>
+          </a:p>
+          <a:p>
+            <a:endParaRPr lang="en-US" altLang="ko-KR" sz="1400" dirty="0">
+              <a:solidFill>
+                <a:schemeClr val="tx1"/>
+              </a:solidFill>
+            </a:endParaRPr>
+          </a:p>
+          <a:p>
+            <a:endParaRPr lang="en-US" altLang="ko-KR" sz="1400" dirty="0">
+              <a:solidFill>
+                <a:schemeClr val="tx1"/>
+              </a:solidFill>
+            </a:endParaRPr>
+          </a:p>
+          <a:p>
+            <a:endParaRPr lang="en-US" altLang="ko-KR" sz="1400" dirty="0">
+              <a:solidFill>
+                <a:schemeClr val="tx1"/>
+              </a:solidFill>
+            </a:endParaRPr>
+          </a:p>
+          <a:p>
+            <a:r>
+              <a:rPr lang="ko-KR" altLang="en-US" sz="1400" dirty="0">
+                <a:solidFill>
+                  <a:schemeClr val="tx1"/>
+                </a:solidFill>
+              </a:rPr>
+              <a:t>카테고리</a:t>
+            </a:r>
+            <a:r>
+              <a:rPr lang="en-US" altLang="ko-KR" sz="1400" dirty="0">
+                <a:solidFill>
+                  <a:schemeClr val="tx1"/>
+                </a:solidFill>
+              </a:rPr>
+              <a:t>: K-Pop</a:t>
+            </a:r>
+          </a:p>
+          <a:p>
+            <a:endParaRPr lang="en-US" altLang="ko-KR" sz="1400" dirty="0">
+              <a:solidFill>
+                <a:schemeClr val="tx1"/>
+              </a:solidFill>
+            </a:endParaRPr>
+          </a:p>
+          <a:p>
+            <a:endParaRPr lang="en-US" altLang="ko-KR" sz="1400" dirty="0">
+              <a:solidFill>
+                <a:schemeClr val="tx1"/>
+              </a:solidFill>
+            </a:endParaRPr>
+          </a:p>
+          <a:p>
+            <a:endParaRPr lang="en-US" altLang="ko-KR" sz="1400" dirty="0">
+              <a:solidFill>
+                <a:schemeClr val="tx1"/>
+              </a:solidFill>
+            </a:endParaRPr>
+          </a:p>
+          <a:p>
+            <a:endParaRPr lang="en-US" altLang="ko-KR" sz="1400" dirty="0">
+              <a:solidFill>
+                <a:schemeClr val="tx1"/>
+              </a:solidFill>
+            </a:endParaRPr>
+          </a:p>
+          <a:p>
+            <a:endParaRPr lang="en-US" altLang="ko-KR" sz="1400" dirty="0">
+              <a:solidFill>
+                <a:schemeClr val="tx1"/>
+              </a:solidFill>
+            </a:endParaRPr>
+          </a:p>
+        </p:txBody>
+      </p:sp>
+      <p:sp>
+        <p:nvSpPr>
+          <p:cNvPr id="43" name="직사각형 42">
+            <a:extLst>
+              <a:ext uri="{FF2B5EF4-FFF2-40B4-BE49-F238E27FC236}">
+                <a16:creationId xmlns:a16="http://schemas.microsoft.com/office/drawing/2014/main" id="{349C896B-07EC-4666-4E12-31DD70AA2EBD}"/>
+              </a:ext>
+            </a:extLst>
+          </p:cNvPr>
+          <p:cNvSpPr/>
+          <p:nvPr/>
+        </p:nvSpPr>
+        <p:spPr>
+          <a:xfrm>
+            <a:off x="9101358" y="4817469"/>
+            <a:ext cx="2631347" cy="1072394"/>
+          </a:xfrm>
+          <a:prstGeom prst="rect">
+            <a:avLst/>
+          </a:prstGeom>
+          <a:noFill/>
+        </p:spPr>
+        <p:style>
+          <a:lnRef idx="2">
+            <a:schemeClr val="accent1">
+              <a:shade val="15000"/>
+            </a:schemeClr>
+          </a:lnRef>
+          <a:fillRef idx="1">
+            <a:schemeClr val="accent1"/>
+          </a:fillRef>
+          <a:effectRef idx="0">
+            <a:schemeClr val="accent1"/>
+          </a:effectRef>
+          <a:fontRef idx="minor">
+            <a:schemeClr val="lt1"/>
+          </a:fontRef>
+        </p:style>
+        <p:txBody>
+          <a:bodyPr rtlCol="0" anchor="t"/>
+          <a:lstStyle/>
+          <a:p>
+            <a:r>
+              <a:rPr lang="ko-KR" altLang="en-US" sz="1200" dirty="0">
+                <a:solidFill>
+                  <a:schemeClr val="tx1"/>
+                </a:solidFill>
+              </a:rPr>
+              <a:t>이유가 많음</a:t>
+            </a:r>
+            <a:r>
+              <a:rPr lang="en-US" altLang="ko-KR" sz="1200" dirty="0">
+                <a:solidFill>
+                  <a:schemeClr val="tx1"/>
+                </a:solidFill>
+              </a:rPr>
+              <a:t>…</a:t>
+            </a:r>
+          </a:p>
+          <a:p>
+            <a:r>
+              <a:rPr lang="ko-KR" altLang="en-US" sz="1200" dirty="0">
+                <a:solidFill>
+                  <a:schemeClr val="tx1"/>
+                </a:solidFill>
+              </a:rPr>
+              <a:t>그냥 많음</a:t>
+            </a:r>
+            <a:endParaRPr lang="en-US" altLang="ko-KR" sz="1200" dirty="0">
+              <a:solidFill>
+                <a:schemeClr val="tx1"/>
+              </a:solidFill>
+            </a:endParaRPr>
+          </a:p>
+          <a:p>
+            <a:r>
+              <a:rPr lang="ko-KR" altLang="en-US" sz="1200" dirty="0">
+                <a:solidFill>
+                  <a:schemeClr val="tx1"/>
+                </a:solidFill>
+              </a:rPr>
+              <a:t>등등</a:t>
+            </a:r>
+          </a:p>
+        </p:txBody>
+      </p:sp>
+      <p:pic>
+        <p:nvPicPr>
+          <p:cNvPr id="44" name="Picture 16" descr="재생 버튼을 로열티 무료 사진, 그림, 이미지 그리고 스톡포토그래피. Image 24887723">
+            <a:extLst>
+              <a:ext uri="{FF2B5EF4-FFF2-40B4-BE49-F238E27FC236}">
+                <a16:creationId xmlns:a16="http://schemas.microsoft.com/office/drawing/2014/main" id="{AAFC6B2F-AC64-384F-7618-7887910555F0}"/>
+              </a:ext>
+            </a:extLst>
+          </p:cNvPr>
+          <p:cNvPicPr>
+            <a:picLocks noChangeAspect="1" noChangeArrowheads="1"/>
+          </p:cNvPicPr>
+          <p:nvPr/>
+        </p:nvPicPr>
+        <p:blipFill>
+          <a:blip r:embed="rId5">
+            <a:clrChange>
+              <a:clrFrom>
+                <a:srgbClr val="FFFFFF"/>
+              </a:clrFrom>
+              <a:clrTo>
+                <a:srgbClr val="FFFFFF">
+                  <a:alpha val="0"/>
+                </a:srgbClr>
+              </a:clrTo>
+            </a:clrChange>
+            <a:extLst>
+              <a:ext uri="{28A0092B-C50C-407E-A947-70E740481C1C}">
+                <a14:useLocalDpi xmlns:a14="http://schemas.microsoft.com/office/drawing/2010/main" val="0"/>
+              </a:ext>
+            </a:extLst>
+          </a:blip>
+          <a:srcRect/>
+          <a:stretch>
+            <a:fillRect/>
+          </a:stretch>
+        </p:blipFill>
+        <p:spPr bwMode="auto">
+          <a:xfrm>
+            <a:off x="10035775" y="2752246"/>
+            <a:ext cx="757621" cy="562323"/>
+          </a:xfrm>
+          <a:prstGeom prst="rect">
+            <a:avLst/>
+          </a:prstGeom>
+          <a:noFill/>
+          <a:extLst>
+            <a:ext uri="{909E8E84-426E-40DD-AFC4-6F175D3DCCD1}">
+              <a14:hiddenFill xmlns:a14="http://schemas.microsoft.com/office/drawing/2010/main">
+                <a:solidFill>
+                  <a:srgbClr val="FFFFFF"/>
+                </a:solidFill>
+              </a14:hiddenFill>
+            </a:ext>
+          </a:extLst>
+        </p:spPr>
+      </p:pic>
+      <p:grpSp>
+        <p:nvGrpSpPr>
+          <p:cNvPr id="45" name="그룹 44">
+            <a:extLst>
+              <a:ext uri="{FF2B5EF4-FFF2-40B4-BE49-F238E27FC236}">
+                <a16:creationId xmlns:a16="http://schemas.microsoft.com/office/drawing/2014/main" id="{3D431E5C-20D3-3421-B102-4997D0535A45}"/>
+              </a:ext>
+            </a:extLst>
+          </p:cNvPr>
+          <p:cNvGrpSpPr/>
+          <p:nvPr/>
+        </p:nvGrpSpPr>
+        <p:grpSpPr>
+          <a:xfrm>
+            <a:off x="11111219" y="3683555"/>
+            <a:ext cx="865465" cy="232425"/>
+            <a:chOff x="4572000" y="3811069"/>
+            <a:chExt cx="865465" cy="232425"/>
+          </a:xfrm>
+        </p:grpSpPr>
+        <p:sp>
+          <p:nvSpPr>
+            <p:cNvPr id="46" name="직사각형 45">
+              <a:extLst>
+                <a:ext uri="{FF2B5EF4-FFF2-40B4-BE49-F238E27FC236}">
+                  <a16:creationId xmlns:a16="http://schemas.microsoft.com/office/drawing/2014/main" id="{64ED1B49-8C75-FCAA-8E4C-1D79EF462F81}"/>
+                </a:ext>
+              </a:extLst>
+            </p:cNvPr>
+            <p:cNvSpPr/>
+            <p:nvPr/>
+          </p:nvSpPr>
+          <p:spPr>
+            <a:xfrm>
+              <a:off x="4572000" y="3825380"/>
+              <a:ext cx="865465" cy="218114"/>
+            </a:xfrm>
+            <a:prstGeom prst="rect">
+              <a:avLst/>
+            </a:prstGeom>
+            <a:noFill/>
+            <a:ln>
+              <a:noFill/>
+            </a:ln>
+          </p:spPr>
+          <p:style>
+            <a:lnRef idx="2">
+              <a:schemeClr val="accent1">
+                <a:shade val="15000"/>
+              </a:schemeClr>
+            </a:lnRef>
+            <a:fillRef idx="1">
+              <a:schemeClr val="accent1"/>
+            </a:fillRef>
+            <a:effectRef idx="0">
+              <a:schemeClr val="accent1"/>
+            </a:effectRef>
+            <a:fontRef idx="minor">
+              <a:schemeClr val="lt1"/>
+            </a:fontRef>
+          </p:style>
+          <p:txBody>
+            <a:bodyPr rtlCol="0" anchor="ctr"/>
+            <a:lstStyle/>
+            <a:p>
+              <a:r>
+                <a:rPr lang="ko-KR" altLang="en-US" sz="1100" dirty="0">
+                  <a:solidFill>
+                    <a:schemeClr val="tx1">
+                      <a:lumMod val="50000"/>
+                      <a:lumOff val="50000"/>
+                    </a:schemeClr>
+                  </a:solidFill>
+                </a:rPr>
+                <a:t>공감    </a:t>
+              </a:r>
+              <a:r>
+                <a:rPr lang="en-US" altLang="ko-KR" sz="1100" dirty="0">
+                  <a:solidFill>
+                    <a:schemeClr val="tx1"/>
+                  </a:solidFill>
+                </a:rPr>
+                <a:t>3</a:t>
+              </a:r>
+              <a:endParaRPr lang="ko-KR" altLang="en-US" sz="1100" dirty="0">
+                <a:solidFill>
+                  <a:schemeClr val="tx1"/>
+                </a:solidFill>
+              </a:endParaRPr>
+            </a:p>
+          </p:txBody>
+        </p:sp>
+        <p:pic>
+          <p:nvPicPr>
+            <p:cNvPr id="47" name="Picture 18" descr="좋아요, 좋아요 아이콘 로열티 무료 사진, 그림, 이미지 그리고 스톡포토그래피. Image 119203073">
+              <a:extLst>
+                <a:ext uri="{FF2B5EF4-FFF2-40B4-BE49-F238E27FC236}">
+                  <a16:creationId xmlns:a16="http://schemas.microsoft.com/office/drawing/2014/main" id="{50519E1F-8050-95BC-6213-015C800DFED4}"/>
+                </a:ext>
+              </a:extLst>
+            </p:cNvPr>
+            <p:cNvPicPr>
+              <a:picLocks noChangeAspect="1" noChangeArrowheads="1"/>
+            </p:cNvPicPr>
+            <p:nvPr/>
+          </p:nvPicPr>
+          <p:blipFill>
+            <a:blip r:embed="rId6">
+              <a:clrChange>
+                <a:clrFrom>
+                  <a:srgbClr val="FFFFFF"/>
+                </a:clrFrom>
+                <a:clrTo>
+                  <a:srgbClr val="FFFFFF">
+                    <a:alpha val="0"/>
+                  </a:srgbClr>
+                </a:clrTo>
+              </a:clrChange>
+              <a:extLst>
+                <a:ext uri="{28A0092B-C50C-407E-A947-70E740481C1C}">
+                  <a14:useLocalDpi xmlns:a14="http://schemas.microsoft.com/office/drawing/2010/main" val="0"/>
+                </a:ext>
+              </a:extLst>
+            </a:blip>
+            <a:srcRect/>
+            <a:stretch>
+              <a:fillRect/>
+            </a:stretch>
+          </p:blipFill>
+          <p:spPr bwMode="auto">
+            <a:xfrm>
+              <a:off x="4920335" y="3811069"/>
+              <a:ext cx="236097" cy="232425"/>
+            </a:xfrm>
+            <a:prstGeom prst="rect">
+              <a:avLst/>
+            </a:prstGeom>
+            <a:noFill/>
+            <a:extLst>
+              <a:ext uri="{909E8E84-426E-40DD-AFC4-6F175D3DCCD1}">
+                <a14:hiddenFill xmlns:a14="http://schemas.microsoft.com/office/drawing/2010/main">
+                  <a:solidFill>
+                    <a:srgbClr val="FFFFFF"/>
+                  </a:solidFill>
+                </a14:hiddenFill>
+              </a:ext>
+            </a:extLst>
+          </p:spPr>
+        </p:pic>
+      </p:grpSp>
+      <p:sp>
+        <p:nvSpPr>
+          <p:cNvPr id="49" name="말풍선: 모서리가 둥근 사각형 48">
+            <a:extLst>
+              <a:ext uri="{FF2B5EF4-FFF2-40B4-BE49-F238E27FC236}">
+                <a16:creationId xmlns:a16="http://schemas.microsoft.com/office/drawing/2014/main" id="{2E01902F-EB0C-49E2-F29F-7F52FB2AE7B5}"/>
+              </a:ext>
+            </a:extLst>
+          </p:cNvPr>
+          <p:cNvSpPr/>
+          <p:nvPr/>
+        </p:nvSpPr>
+        <p:spPr>
+          <a:xfrm>
+            <a:off x="7475287" y="40396"/>
+            <a:ext cx="1607070" cy="420405"/>
+          </a:xfrm>
+          <a:prstGeom prst="wedgeRoundRectCallout">
+            <a:avLst>
+              <a:gd name="adj1" fmla="val -51827"/>
+              <a:gd name="adj2" fmla="val 137153"/>
+              <a:gd name="adj3" fmla="val 16667"/>
+            </a:avLst>
+          </a:prstGeom>
+          <a:noFill/>
+        </p:spPr>
+        <p:style>
+          <a:lnRef idx="2">
+            <a:schemeClr val="accent1">
+              <a:shade val="15000"/>
+            </a:schemeClr>
+          </a:lnRef>
+          <a:fillRef idx="1">
+            <a:schemeClr val="accent1"/>
+          </a:fillRef>
+          <a:effectRef idx="0">
+            <a:schemeClr val="accent1"/>
+          </a:effectRef>
+          <a:fontRef idx="minor">
+            <a:schemeClr val="lt1"/>
+          </a:fontRef>
+        </p:style>
+        <p:txBody>
+          <a:bodyPr rtlCol="0" anchor="ctr"/>
+          <a:lstStyle/>
+          <a:p>
+            <a:pPr algn="ctr"/>
+            <a:r>
+              <a:rPr lang="ko-KR" altLang="en-US" sz="1050">
+                <a:solidFill>
+                  <a:schemeClr val="tx1"/>
+                </a:solidFill>
+              </a:rPr>
+              <a:t>배너 썸네일 랜덤재생</a:t>
+            </a:r>
+            <a:endParaRPr lang="ko-KR" altLang="en-US" sz="1050" dirty="0">
+              <a:solidFill>
+                <a:schemeClr val="tx1"/>
+              </a:solidFill>
+            </a:endParaRPr>
+          </a:p>
+        </p:txBody>
+      </p:sp>
+    </p:spTree>
+    <p:extLst>
+      <p:ext uri="{BB962C8B-B14F-4D97-AF65-F5344CB8AC3E}">
+        <p14:creationId xmlns:p14="http://schemas.microsoft.com/office/powerpoint/2010/main" val="103050315"/>
+      </p:ext>
+    </p:extLst>
+  </p:cSld>
+  <p:clrMapOvr>
+    <a:masterClrMapping/>
+  </p:clrMapOvr>
+</p:sld>
+</file>
+
+<file path=ppt/slides/slide2.xml><?xml version="1.0" encoding="utf-8"?>
+<p:sld xmlns:a="http://schemas.openxmlformats.org/drawingml/2006/main" xmlns:r="http://schemas.openxmlformats.org/officeDocument/2006/relationships" xmlns:p="http://schemas.openxmlformats.org/presentationml/2006/main">
+  <p:cSld>
+    <p:spTree>
+      <p:nvGrpSpPr>
+        <p:cNvPr id="1" name=""/>
+        <p:cNvGrpSpPr/>
+        <p:nvPr/>
+      </p:nvGrpSpPr>
+      <p:grpSpPr>
+        <a:xfrm>
+          <a:off x="0" y="0"/>
+          <a:ext cx="0" cy="0"/>
+          <a:chOff x="0" y="0"/>
+          <a:chExt cx="0" cy="0"/>
+        </a:xfrm>
+      </p:grpSpPr>
+      <p:sp>
+        <p:nvSpPr>
+          <p:cNvPr id="48" name="직사각형 47">
+            <a:extLst>
+              <a:ext uri="{FF2B5EF4-FFF2-40B4-BE49-F238E27FC236}">
+                <a16:creationId xmlns:a16="http://schemas.microsoft.com/office/drawing/2014/main" id="{1C5C28E2-07C9-F13D-EF40-463A75C45036}"/>
+              </a:ext>
+            </a:extLst>
+          </p:cNvPr>
+          <p:cNvSpPr/>
+          <p:nvPr/>
+        </p:nvSpPr>
+        <p:spPr>
+          <a:xfrm>
+            <a:off x="0" y="2128190"/>
+            <a:ext cx="1887523" cy="310210"/>
+          </a:xfrm>
+          <a:prstGeom prst="rect">
+            <a:avLst/>
+          </a:prstGeom>
+          <a:solidFill>
+            <a:schemeClr val="accent1">
+              <a:lumMod val="40000"/>
+              <a:lumOff val="60000"/>
+            </a:schemeClr>
+          </a:solidFill>
+          <a:ln>
+            <a:noFill/>
+          </a:ln>
+        </p:spPr>
+        <p:style>
+          <a:lnRef idx="2">
+            <a:schemeClr val="accent1">
+              <a:shade val="15000"/>
+            </a:schemeClr>
+          </a:lnRef>
+          <a:fillRef idx="1">
+            <a:schemeClr val="accent1"/>
+          </a:fillRef>
+          <a:effectRef idx="0">
+            <a:schemeClr val="accent1"/>
+          </a:effectRef>
+          <a:fontRef idx="minor">
+            <a:schemeClr val="lt1"/>
+          </a:fontRef>
+        </p:style>
+        <p:txBody>
+          <a:bodyPr rtlCol="0" anchor="ctr"/>
+          <a:lstStyle/>
+          <a:p>
+            <a:pPr algn="ctr"/>
+            <a:endParaRPr lang="ko-KR" altLang="en-US"/>
+          </a:p>
+        </p:txBody>
+      </p:sp>
+      <p:sp>
+        <p:nvSpPr>
+          <p:cNvPr id="2" name="제목 1">
+            <a:extLst>
+              <a:ext uri="{FF2B5EF4-FFF2-40B4-BE49-F238E27FC236}">
+                <a16:creationId xmlns:a16="http://schemas.microsoft.com/office/drawing/2014/main" id="{D7448148-B01B-B16B-FF8E-752116BE2270}"/>
+              </a:ext>
+            </a:extLst>
+          </p:cNvPr>
+          <p:cNvSpPr>
+            <a:spLocks noGrp="1"/>
+          </p:cNvSpPr>
+          <p:nvPr>
+            <p:ph type="ctrTitle"/>
+          </p:nvPr>
+        </p:nvSpPr>
+        <p:spPr>
+          <a:xfrm>
+            <a:off x="0" y="527991"/>
+            <a:ext cx="12192000" cy="1600200"/>
+          </a:xfrm>
+          <a:ln>
+            <a:solidFill>
+              <a:schemeClr val="accent1"/>
+            </a:solidFill>
+          </a:ln>
+        </p:spPr>
+        <p:txBody>
+          <a:bodyPr anchor="ctr"/>
+          <a:lstStyle/>
+          <a:p>
+            <a:r>
+              <a:rPr lang="ko-KR" altLang="en-US" dirty="0"/>
+              <a:t>배너 </a:t>
+            </a:r>
+            <a:r>
+              <a:rPr lang="en-US" altLang="ko-KR" dirty="0"/>
+              <a:t>--- </a:t>
+            </a:r>
+            <a:r>
+              <a:rPr lang="ko-KR" altLang="en-US" dirty="0" err="1"/>
+              <a:t>썸넬</a:t>
+            </a:r>
+            <a:endParaRPr lang="ko-KR" altLang="en-US" dirty="0"/>
+          </a:p>
+        </p:txBody>
+      </p:sp>
+      <p:sp>
+        <p:nvSpPr>
+          <p:cNvPr id="14" name="직사각형 13">
+            <a:extLst>
+              <a:ext uri="{FF2B5EF4-FFF2-40B4-BE49-F238E27FC236}">
+                <a16:creationId xmlns:a16="http://schemas.microsoft.com/office/drawing/2014/main" id="{6BFDDEA8-6A7A-0EF9-FE26-1DD4C7FD19FA}"/>
+              </a:ext>
+            </a:extLst>
+          </p:cNvPr>
+          <p:cNvSpPr/>
+          <p:nvPr/>
+        </p:nvSpPr>
+        <p:spPr>
+          <a:xfrm>
+            <a:off x="2492929" y="2400039"/>
+            <a:ext cx="2871131" cy="1266739"/>
+          </a:xfrm>
+          <a:prstGeom prst="rect">
+            <a:avLst/>
+          </a:prstGeom>
+          <a:noFill/>
+        </p:spPr>
+        <p:style>
+          <a:lnRef idx="2">
+            <a:schemeClr val="accent1">
+              <a:shade val="15000"/>
+            </a:schemeClr>
+          </a:lnRef>
+          <a:fillRef idx="1">
+            <a:schemeClr val="accent1"/>
+          </a:fillRef>
+          <a:effectRef idx="0">
+            <a:schemeClr val="accent1"/>
+          </a:effectRef>
+          <a:fontRef idx="minor">
+            <a:schemeClr val="lt1"/>
+          </a:fontRef>
+        </p:style>
+        <p:txBody>
+          <a:bodyPr rtlCol="0" anchor="ctr"/>
+          <a:lstStyle/>
+          <a:p>
+            <a:pPr algn="ctr"/>
+            <a:endParaRPr lang="ko-KR" altLang="en-US" dirty="0"/>
+          </a:p>
+        </p:txBody>
+      </p:sp>
+      <p:sp>
+        <p:nvSpPr>
+          <p:cNvPr id="15" name="직사각형 14">
+            <a:extLst>
+              <a:ext uri="{FF2B5EF4-FFF2-40B4-BE49-F238E27FC236}">
+                <a16:creationId xmlns:a16="http://schemas.microsoft.com/office/drawing/2014/main" id="{F1EA245E-70CE-474A-5910-84D25916828E}"/>
+              </a:ext>
+            </a:extLst>
+          </p:cNvPr>
+          <p:cNvSpPr/>
+          <p:nvPr/>
+        </p:nvSpPr>
+        <p:spPr>
+          <a:xfrm>
+            <a:off x="2492929" y="3666779"/>
+            <a:ext cx="2871131" cy="2919371"/>
+          </a:xfrm>
+          <a:prstGeom prst="rect">
+            <a:avLst/>
+          </a:prstGeom>
+          <a:noFill/>
+        </p:spPr>
+        <p:style>
+          <a:lnRef idx="2">
+            <a:schemeClr val="accent1">
+              <a:shade val="15000"/>
+            </a:schemeClr>
+          </a:lnRef>
+          <a:fillRef idx="1">
+            <a:schemeClr val="accent1"/>
+          </a:fillRef>
+          <a:effectRef idx="0">
+            <a:schemeClr val="accent1"/>
+          </a:effectRef>
+          <a:fontRef idx="minor">
+            <a:schemeClr val="lt1"/>
+          </a:fontRef>
+        </p:style>
+        <p:txBody>
+          <a:bodyPr rtlCol="0" anchor="t"/>
+          <a:lstStyle/>
+          <a:p>
+            <a:r>
+              <a:rPr lang="ko-KR" altLang="en-US" sz="1400" dirty="0">
+                <a:solidFill>
+                  <a:schemeClr val="tx1"/>
+                </a:solidFill>
+              </a:rPr>
+              <a:t>제목</a:t>
+            </a:r>
+            <a:r>
+              <a:rPr lang="en-US" altLang="ko-KR" sz="1400" dirty="0">
+                <a:solidFill>
+                  <a:schemeClr val="tx1"/>
+                </a:solidFill>
+              </a:rPr>
+              <a:t>: Dynamite</a:t>
+            </a:r>
+          </a:p>
+          <a:p>
+            <a:r>
+              <a:rPr lang="ko-KR" altLang="en-US" sz="1400" dirty="0">
+                <a:solidFill>
+                  <a:schemeClr val="tx1"/>
+                </a:solidFill>
+              </a:rPr>
+              <a:t>가수</a:t>
+            </a:r>
+            <a:r>
+              <a:rPr lang="en-US" altLang="ko-KR" sz="1400" dirty="0">
+                <a:solidFill>
+                  <a:schemeClr val="tx1"/>
+                </a:solidFill>
+              </a:rPr>
+              <a:t>: </a:t>
+            </a:r>
+            <a:r>
+              <a:rPr lang="ko-KR" altLang="en-US" sz="1400" dirty="0">
+                <a:solidFill>
+                  <a:schemeClr val="tx1"/>
+                </a:solidFill>
+              </a:rPr>
+              <a:t>방탄소년단</a:t>
+            </a:r>
+            <a:endParaRPr lang="en-US" altLang="ko-KR" sz="1400" dirty="0">
+              <a:solidFill>
+                <a:schemeClr val="tx1"/>
+              </a:solidFill>
+            </a:endParaRPr>
+          </a:p>
+          <a:p>
+            <a:endParaRPr lang="en-US" altLang="ko-KR" sz="1400" dirty="0">
+              <a:solidFill>
+                <a:schemeClr val="tx1"/>
+              </a:solidFill>
+            </a:endParaRPr>
+          </a:p>
+          <a:p>
+            <a:r>
+              <a:rPr lang="ko-KR" altLang="en-US" sz="1400" dirty="0">
+                <a:solidFill>
+                  <a:schemeClr val="tx1"/>
+                </a:solidFill>
+              </a:rPr>
+              <a:t>작성자</a:t>
+            </a:r>
+            <a:r>
+              <a:rPr lang="en-US" altLang="ko-KR" sz="1400" dirty="0">
+                <a:solidFill>
+                  <a:schemeClr val="tx1"/>
+                </a:solidFill>
+              </a:rPr>
+              <a:t>: </a:t>
+            </a:r>
+            <a:r>
+              <a:rPr lang="ko-KR" altLang="en-US" sz="1400" dirty="0">
+                <a:solidFill>
+                  <a:schemeClr val="tx1"/>
+                </a:solidFill>
+              </a:rPr>
+              <a:t>김경훈</a:t>
+            </a:r>
+            <a:endParaRPr lang="en-US" altLang="ko-KR" sz="1400" dirty="0">
+              <a:solidFill>
+                <a:schemeClr val="tx1"/>
+              </a:solidFill>
+            </a:endParaRPr>
+          </a:p>
+          <a:p>
+            <a:r>
+              <a:rPr lang="ko-KR" altLang="en-US" sz="1400" dirty="0">
+                <a:solidFill>
+                  <a:schemeClr val="tx1"/>
+                </a:solidFill>
+              </a:rPr>
+              <a:t>추천 이유</a:t>
+            </a:r>
+            <a:r>
+              <a:rPr lang="en-US" altLang="ko-KR" sz="1400" dirty="0">
+                <a:solidFill>
+                  <a:schemeClr val="tx1"/>
+                </a:solidFill>
+              </a:rPr>
+              <a:t>:</a:t>
+            </a:r>
+          </a:p>
+          <a:p>
+            <a:endParaRPr lang="en-US" altLang="ko-KR" sz="1400" dirty="0">
+              <a:solidFill>
+                <a:schemeClr val="tx1"/>
+              </a:solidFill>
+            </a:endParaRPr>
+          </a:p>
+          <a:p>
+            <a:endParaRPr lang="en-US" altLang="ko-KR" sz="1400" dirty="0">
+              <a:solidFill>
+                <a:schemeClr val="tx1"/>
+              </a:solidFill>
+            </a:endParaRPr>
+          </a:p>
+          <a:p>
+            <a:endParaRPr lang="en-US" altLang="ko-KR" sz="1400" dirty="0">
+              <a:solidFill>
+                <a:schemeClr val="tx1"/>
+              </a:solidFill>
+            </a:endParaRPr>
+          </a:p>
+          <a:p>
+            <a:endParaRPr lang="en-US" altLang="ko-KR" sz="1400" dirty="0">
+              <a:solidFill>
+                <a:schemeClr val="tx1"/>
+              </a:solidFill>
+            </a:endParaRPr>
+          </a:p>
+          <a:p>
+            <a:endParaRPr lang="en-US" altLang="ko-KR" sz="1400" dirty="0">
+              <a:solidFill>
+                <a:schemeClr val="tx1"/>
+              </a:solidFill>
+            </a:endParaRPr>
+          </a:p>
+          <a:p>
+            <a:endParaRPr lang="en-US" altLang="ko-KR" sz="1400" dirty="0">
+              <a:solidFill>
+                <a:schemeClr val="tx1"/>
+              </a:solidFill>
+            </a:endParaRPr>
+          </a:p>
+          <a:p>
+            <a:r>
+              <a:rPr lang="ko-KR" altLang="en-US" sz="1400" dirty="0">
+                <a:solidFill>
+                  <a:schemeClr val="tx1"/>
+                </a:solidFill>
+              </a:rPr>
+              <a:t>카테고리</a:t>
+            </a:r>
+            <a:r>
+              <a:rPr lang="en-US" altLang="ko-KR" sz="1400" dirty="0">
+                <a:solidFill>
+                  <a:schemeClr val="tx1"/>
+                </a:solidFill>
+              </a:rPr>
+              <a:t>: K-Pop</a:t>
+            </a:r>
+          </a:p>
+          <a:p>
+            <a:endParaRPr lang="en-US" altLang="ko-KR" sz="1400" dirty="0">
+              <a:solidFill>
+                <a:schemeClr val="tx1"/>
+              </a:solidFill>
+            </a:endParaRPr>
+          </a:p>
+          <a:p>
+            <a:endParaRPr lang="en-US" altLang="ko-KR" sz="1400" dirty="0">
+              <a:solidFill>
+                <a:schemeClr val="tx1"/>
+              </a:solidFill>
+            </a:endParaRPr>
+          </a:p>
+          <a:p>
+            <a:endParaRPr lang="en-US" altLang="ko-KR" sz="1400" dirty="0">
+              <a:solidFill>
+                <a:schemeClr val="tx1"/>
+              </a:solidFill>
+            </a:endParaRPr>
+          </a:p>
+          <a:p>
+            <a:endParaRPr lang="en-US" altLang="ko-KR" sz="1400" dirty="0">
+              <a:solidFill>
+                <a:schemeClr val="tx1"/>
+              </a:solidFill>
+            </a:endParaRPr>
+          </a:p>
+          <a:p>
+            <a:endParaRPr lang="en-US" altLang="ko-KR" sz="1400" dirty="0">
+              <a:solidFill>
+                <a:schemeClr val="tx1"/>
+              </a:solidFill>
+            </a:endParaRPr>
+          </a:p>
+        </p:txBody>
+      </p:sp>
+      <p:sp>
+        <p:nvSpPr>
+          <p:cNvPr id="16" name="직사각형 15">
+            <a:extLst>
+              <a:ext uri="{FF2B5EF4-FFF2-40B4-BE49-F238E27FC236}">
+                <a16:creationId xmlns:a16="http://schemas.microsoft.com/office/drawing/2014/main" id="{575CC5BD-6681-9EF2-E758-2A9B90937ACF}"/>
+              </a:ext>
+            </a:extLst>
+          </p:cNvPr>
+          <p:cNvSpPr/>
+          <p:nvPr/>
+        </p:nvSpPr>
+        <p:spPr>
+          <a:xfrm>
+            <a:off x="2615267" y="4817470"/>
+            <a:ext cx="2631347" cy="1072394"/>
+          </a:xfrm>
+          <a:prstGeom prst="rect">
+            <a:avLst/>
+          </a:prstGeom>
+          <a:noFill/>
+        </p:spPr>
+        <p:style>
+          <a:lnRef idx="2">
+            <a:schemeClr val="accent1">
+              <a:shade val="15000"/>
+            </a:schemeClr>
+          </a:lnRef>
+          <a:fillRef idx="1">
+            <a:schemeClr val="accent1"/>
+          </a:fillRef>
+          <a:effectRef idx="0">
+            <a:schemeClr val="accent1"/>
+          </a:effectRef>
+          <a:fontRef idx="minor">
+            <a:schemeClr val="lt1"/>
+          </a:fontRef>
+        </p:style>
+        <p:txBody>
+          <a:bodyPr rtlCol="0" anchor="t"/>
+          <a:lstStyle/>
+          <a:p>
+            <a:r>
+              <a:rPr lang="ko-KR" altLang="en-US" sz="1200" dirty="0">
+                <a:solidFill>
+                  <a:schemeClr val="tx1"/>
+                </a:solidFill>
+              </a:rPr>
+              <a:t>이유가 많음</a:t>
+            </a:r>
+            <a:r>
+              <a:rPr lang="en-US" altLang="ko-KR" sz="1200" dirty="0">
+                <a:solidFill>
+                  <a:schemeClr val="tx1"/>
+                </a:solidFill>
+              </a:rPr>
+              <a:t>…</a:t>
+            </a:r>
+          </a:p>
+          <a:p>
+            <a:r>
+              <a:rPr lang="ko-KR" altLang="en-US" sz="1200" dirty="0">
+                <a:solidFill>
+                  <a:schemeClr val="tx1"/>
+                </a:solidFill>
+              </a:rPr>
+              <a:t>그냥 많음</a:t>
+            </a:r>
+            <a:endParaRPr lang="en-US" altLang="ko-KR" sz="1200" dirty="0">
+              <a:solidFill>
+                <a:schemeClr val="tx1"/>
+              </a:solidFill>
+            </a:endParaRPr>
+          </a:p>
+          <a:p>
+            <a:r>
+              <a:rPr lang="ko-KR" altLang="en-US" sz="1200" dirty="0">
+                <a:solidFill>
+                  <a:schemeClr val="tx1"/>
+                </a:solidFill>
+              </a:rPr>
+              <a:t>등등</a:t>
+            </a:r>
+          </a:p>
+        </p:txBody>
+      </p:sp>
+      <p:sp>
+        <p:nvSpPr>
+          <p:cNvPr id="25" name="사각형: 둥근 모서리 24">
+            <a:extLst>
+              <a:ext uri="{FF2B5EF4-FFF2-40B4-BE49-F238E27FC236}">
+                <a16:creationId xmlns:a16="http://schemas.microsoft.com/office/drawing/2014/main" id="{ABF3ED06-7BAC-F35A-D3B1-6C0951A78D32}"/>
+              </a:ext>
+            </a:extLst>
+          </p:cNvPr>
+          <p:cNvSpPr/>
+          <p:nvPr/>
+        </p:nvSpPr>
+        <p:spPr>
+          <a:xfrm>
+            <a:off x="9563449" y="91092"/>
+            <a:ext cx="1104551" cy="382733"/>
+          </a:xfrm>
+          <a:prstGeom prst="roundRect">
+            <a:avLst/>
+          </a:prstGeom>
+          <a:noFill/>
+          <a:ln>
+            <a:solidFill>
+              <a:schemeClr val="accent1"/>
+            </a:solidFill>
+          </a:ln>
+        </p:spPr>
+        <p:style>
+          <a:lnRef idx="2">
+            <a:schemeClr val="accent1">
+              <a:shade val="15000"/>
+            </a:schemeClr>
+          </a:lnRef>
+          <a:fillRef idx="1">
+            <a:schemeClr val="accent1"/>
+          </a:fillRef>
+          <a:effectRef idx="0">
+            <a:schemeClr val="accent1"/>
+          </a:effectRef>
+          <a:fontRef idx="minor">
+            <a:schemeClr val="lt1"/>
+          </a:fontRef>
+        </p:style>
+        <p:txBody>
+          <a:bodyPr rtlCol="0" anchor="ctr"/>
+          <a:lstStyle/>
+          <a:p>
+            <a:pPr algn="ctr"/>
+            <a:r>
+              <a:rPr lang="ko-KR" altLang="en-US" sz="1600" dirty="0">
+                <a:solidFill>
+                  <a:schemeClr val="tx1"/>
+                </a:solidFill>
+              </a:rPr>
+              <a:t>    검색</a:t>
+            </a:r>
+          </a:p>
+        </p:txBody>
+      </p:sp>
+      <p:sp>
+        <p:nvSpPr>
+          <p:cNvPr id="26" name="사각형: 둥근 모서리 25">
+            <a:extLst>
+              <a:ext uri="{FF2B5EF4-FFF2-40B4-BE49-F238E27FC236}">
+                <a16:creationId xmlns:a16="http://schemas.microsoft.com/office/drawing/2014/main" id="{CF0A8469-3E9C-399A-FF75-0354D3B30C72}"/>
+              </a:ext>
+            </a:extLst>
+          </p:cNvPr>
+          <p:cNvSpPr/>
+          <p:nvPr/>
+        </p:nvSpPr>
+        <p:spPr>
+          <a:xfrm>
+            <a:off x="10867938" y="91092"/>
+            <a:ext cx="1104551" cy="382733"/>
+          </a:xfrm>
+          <a:prstGeom prst="roundRect">
+            <a:avLst/>
+          </a:prstGeom>
+          <a:solidFill>
+            <a:schemeClr val="bg1"/>
+          </a:solidFill>
+          <a:ln>
+            <a:solidFill>
+              <a:schemeClr val="accent1"/>
+            </a:solidFill>
+          </a:ln>
+        </p:spPr>
+        <p:style>
+          <a:lnRef idx="2">
+            <a:schemeClr val="accent1">
+              <a:shade val="15000"/>
+            </a:schemeClr>
+          </a:lnRef>
+          <a:fillRef idx="1">
+            <a:schemeClr val="accent1"/>
+          </a:fillRef>
+          <a:effectRef idx="0">
+            <a:schemeClr val="accent1"/>
+          </a:effectRef>
+          <a:fontRef idx="minor">
+            <a:schemeClr val="lt1"/>
+          </a:fontRef>
+        </p:style>
+        <p:txBody>
+          <a:bodyPr rtlCol="0" anchor="ctr"/>
+          <a:lstStyle/>
+          <a:p>
+            <a:pPr algn="ctr"/>
+            <a:r>
+              <a:rPr lang="ko-KR" altLang="en-US" sz="1600" dirty="0">
+                <a:solidFill>
+                  <a:schemeClr val="tx1"/>
+                </a:solidFill>
+              </a:rPr>
+              <a:t>작성하기</a:t>
+            </a:r>
+          </a:p>
+        </p:txBody>
+      </p:sp>
+      <p:pic>
+        <p:nvPicPr>
+          <p:cNvPr id="1030" name="Picture 6" descr="돋보기 모양의 검색 아이콘 일러스트 레이 션 디자인 0명에 대한 스톡 벡터 아트 및 기타 이미지 - 0명, 돋보기-광학 기기, 벡터 -  iStock">
+            <a:extLst>
+              <a:ext uri="{FF2B5EF4-FFF2-40B4-BE49-F238E27FC236}">
+                <a16:creationId xmlns:a16="http://schemas.microsoft.com/office/drawing/2014/main" id="{7BDCCE31-165C-F901-7F67-2E53A4F62971}"/>
+              </a:ext>
+            </a:extLst>
+          </p:cNvPr>
+          <p:cNvPicPr>
+            <a:picLocks noChangeAspect="1" noChangeArrowheads="1"/>
+          </p:cNvPicPr>
+          <p:nvPr/>
+        </p:nvPicPr>
+        <p:blipFill rotWithShape="1">
+          <a:blip r:embed="rId2">
+            <a:clrChange>
+              <a:clrFrom>
+                <a:srgbClr val="FFFFFF"/>
+              </a:clrFrom>
+              <a:clrTo>
+                <a:srgbClr val="FFFFFF">
+                  <a:alpha val="0"/>
+                </a:srgbClr>
+              </a:clrTo>
+            </a:clrChange>
+            <a:extLst>
+              <a:ext uri="{28A0092B-C50C-407E-A947-70E740481C1C}">
+                <a14:useLocalDpi xmlns:a14="http://schemas.microsoft.com/office/drawing/2010/main" val="0"/>
+              </a:ext>
+            </a:extLst>
+          </a:blip>
+          <a:srcRect l="19275" t="10461" r="13830" b="7078"/>
+          <a:stretch/>
+        </p:blipFill>
+        <p:spPr bwMode="auto">
+          <a:xfrm>
+            <a:off x="9779694" y="147798"/>
+            <a:ext cx="190969" cy="235407"/>
+          </a:xfrm>
+          <a:prstGeom prst="rect">
+            <a:avLst/>
+          </a:prstGeom>
+          <a:noFill/>
+          <a:extLst>
+            <a:ext uri="{909E8E84-426E-40DD-AFC4-6F175D3DCCD1}">
+              <a14:hiddenFill xmlns:a14="http://schemas.microsoft.com/office/drawing/2010/main">
+                <a:solidFill>
+                  <a:srgbClr val="FFFFFF"/>
+                </a:solidFill>
+              </a14:hiddenFill>
+            </a:ext>
+          </a:extLst>
+        </p:spPr>
+      </p:pic>
+      <p:sp>
+        <p:nvSpPr>
+          <p:cNvPr id="27" name="직사각형 26">
+            <a:extLst>
+              <a:ext uri="{FF2B5EF4-FFF2-40B4-BE49-F238E27FC236}">
+                <a16:creationId xmlns:a16="http://schemas.microsoft.com/office/drawing/2014/main" id="{6A79C9AB-54B6-F35C-8F17-EA7312C5B381}"/>
+              </a:ext>
+            </a:extLst>
+          </p:cNvPr>
+          <p:cNvSpPr/>
+          <p:nvPr/>
+        </p:nvSpPr>
+        <p:spPr>
+          <a:xfrm>
+            <a:off x="72703" y="40396"/>
+            <a:ext cx="1814820" cy="461394"/>
+          </a:xfrm>
+          <a:prstGeom prst="rect">
+            <a:avLst/>
+          </a:prstGeom>
+          <a:noFill/>
+          <a:ln>
+            <a:noFill/>
+          </a:ln>
+        </p:spPr>
+        <p:style>
+          <a:lnRef idx="2">
+            <a:schemeClr val="accent1">
+              <a:shade val="15000"/>
+            </a:schemeClr>
+          </a:lnRef>
+          <a:fillRef idx="1">
+            <a:schemeClr val="accent1"/>
+          </a:fillRef>
+          <a:effectRef idx="0">
+            <a:schemeClr val="accent1"/>
+          </a:effectRef>
+          <a:fontRef idx="minor">
+            <a:schemeClr val="lt1"/>
+          </a:fontRef>
+        </p:style>
+        <p:txBody>
+          <a:bodyPr rtlCol="0" anchor="ctr"/>
+          <a:lstStyle/>
+          <a:p>
+            <a:r>
+              <a:rPr lang="en-US" altLang="ko-KR" sz="2400" b="1" dirty="0">
+                <a:solidFill>
+                  <a:schemeClr val="tx1"/>
+                </a:solidFill>
+                <a:latin typeface="Aptos" panose="020B0004020202020204" pitchFamily="34" charset="0"/>
+              </a:rPr>
+              <a:t>Music Web</a:t>
+            </a:r>
+            <a:endParaRPr lang="ko-KR" altLang="en-US" sz="2400" b="1" dirty="0">
+              <a:solidFill>
+                <a:schemeClr val="tx1"/>
+              </a:solidFill>
+              <a:latin typeface="Aptos" panose="020B0004020202020204" pitchFamily="34" charset="0"/>
+            </a:endParaRPr>
+          </a:p>
+        </p:txBody>
+      </p:sp>
+      <p:pic>
+        <p:nvPicPr>
+          <p:cNvPr id="1036" name="Picture 12" descr="스타쉽엔터테인먼트">
+            <a:extLst>
+              <a:ext uri="{FF2B5EF4-FFF2-40B4-BE49-F238E27FC236}">
+                <a16:creationId xmlns:a16="http://schemas.microsoft.com/office/drawing/2014/main" id="{E874585A-1A07-A6FB-FA00-DCDFF19E28D9}"/>
+              </a:ext>
+            </a:extLst>
+          </p:cNvPr>
+          <p:cNvPicPr>
+            <a:picLocks noChangeAspect="1" noChangeArrowheads="1"/>
+          </p:cNvPicPr>
+          <p:nvPr/>
+        </p:nvPicPr>
+        <p:blipFill rotWithShape="1">
+          <a:blip r:embed="rId3">
+            <a:extLst>
+              <a:ext uri="{28A0092B-C50C-407E-A947-70E740481C1C}">
+                <a14:useLocalDpi xmlns:a14="http://schemas.microsoft.com/office/drawing/2010/main" val="0"/>
+              </a:ext>
+            </a:extLst>
+          </a:blip>
+          <a:srcRect l="-25" t="20955" b="45293"/>
+          <a:stretch/>
+        </p:blipFill>
+        <p:spPr bwMode="auto">
+          <a:xfrm>
+            <a:off x="0" y="527990"/>
+            <a:ext cx="8425343" cy="1600200"/>
+          </a:xfrm>
+          <a:prstGeom prst="rect">
+            <a:avLst/>
+          </a:prstGeom>
+          <a:noFill/>
+          <a:extLst>
+            <a:ext uri="{909E8E84-426E-40DD-AFC4-6F175D3DCCD1}">
+              <a14:hiddenFill xmlns:a14="http://schemas.microsoft.com/office/drawing/2010/main">
+                <a:solidFill>
+                  <a:srgbClr val="FFFFFF"/>
+                </a:solidFill>
+              </a14:hiddenFill>
+            </a:ext>
+          </a:extLst>
+        </p:spPr>
+      </p:pic>
+      <p:pic>
+        <p:nvPicPr>
+          <p:cNvPr id="1038" name="Picture 14" descr="45일 만에' BTS, '아이돌'MV 2억뷰 돌파 통산 …11번째 대기록 &lt; 사회 &lt; 기사본문 - 스포츠춘추">
+            <a:extLst>
+              <a:ext uri="{FF2B5EF4-FFF2-40B4-BE49-F238E27FC236}">
+                <a16:creationId xmlns:a16="http://schemas.microsoft.com/office/drawing/2014/main" id="{49E62304-2E27-8B0A-CFF7-93297A1B0EB7}"/>
+              </a:ext>
+            </a:extLst>
+          </p:cNvPr>
+          <p:cNvPicPr>
+            <a:picLocks noChangeAspect="1" noChangeArrowheads="1"/>
+          </p:cNvPicPr>
+          <p:nvPr/>
+        </p:nvPicPr>
+        <p:blipFill rotWithShape="1">
+          <a:blip r:embed="rId4">
+            <a:extLst>
+              <a:ext uri="{28A0092B-C50C-407E-A947-70E740481C1C}">
+                <a14:useLocalDpi xmlns:a14="http://schemas.microsoft.com/office/drawing/2010/main" val="0"/>
+              </a:ext>
+            </a:extLst>
+          </a:blip>
+          <a:srcRect l="-21948" t="27008" b="11469"/>
+          <a:stretch/>
+        </p:blipFill>
+        <p:spPr bwMode="auto">
+          <a:xfrm>
+            <a:off x="6096000" y="527989"/>
+            <a:ext cx="6096000" cy="1600201"/>
+          </a:xfrm>
+          <a:prstGeom prst="rect">
+            <a:avLst/>
+          </a:prstGeom>
+          <a:noFill/>
+          <a:extLst>
+            <a:ext uri="{909E8E84-426E-40DD-AFC4-6F175D3DCCD1}">
+              <a14:hiddenFill xmlns:a14="http://schemas.microsoft.com/office/drawing/2010/main">
+                <a:solidFill>
+                  <a:srgbClr val="FFFFFF"/>
+                </a:solidFill>
+              </a14:hiddenFill>
+            </a:ext>
+          </a:extLst>
+        </p:spPr>
+      </p:pic>
+      <p:pic>
+        <p:nvPicPr>
+          <p:cNvPr id="1040" name="Picture 16" descr="재생 버튼을 로열티 무료 사진, 그림, 이미지 그리고 스톡포토그래피. Image 24887723">
+            <a:extLst>
+              <a:ext uri="{FF2B5EF4-FFF2-40B4-BE49-F238E27FC236}">
+                <a16:creationId xmlns:a16="http://schemas.microsoft.com/office/drawing/2014/main" id="{ED01C79D-238C-7259-4432-7522513B0591}"/>
+              </a:ext>
+            </a:extLst>
+          </p:cNvPr>
+          <p:cNvPicPr>
+            <a:picLocks noChangeAspect="1" noChangeArrowheads="1"/>
+          </p:cNvPicPr>
+          <p:nvPr/>
+        </p:nvPicPr>
+        <p:blipFill>
+          <a:blip r:embed="rId5">
+            <a:clrChange>
+              <a:clrFrom>
+                <a:srgbClr val="FFFFFF"/>
+              </a:clrFrom>
+              <a:clrTo>
+                <a:srgbClr val="FFFFFF">
+                  <a:alpha val="0"/>
+                </a:srgbClr>
+              </a:clrTo>
+            </a:clrChange>
+            <a:extLst>
+              <a:ext uri="{28A0092B-C50C-407E-A947-70E740481C1C}">
+                <a14:useLocalDpi xmlns:a14="http://schemas.microsoft.com/office/drawing/2010/main" val="0"/>
+              </a:ext>
+            </a:extLst>
+          </a:blip>
+          <a:srcRect/>
+          <a:stretch>
+            <a:fillRect/>
+          </a:stretch>
+        </p:blipFill>
+        <p:spPr bwMode="auto">
+          <a:xfrm>
+            <a:off x="3549684" y="2752247"/>
+            <a:ext cx="757621" cy="562323"/>
+          </a:xfrm>
+          <a:prstGeom prst="rect">
+            <a:avLst/>
+          </a:prstGeom>
+          <a:noFill/>
+          <a:extLst>
+            <a:ext uri="{909E8E84-426E-40DD-AFC4-6F175D3DCCD1}">
+              <a14:hiddenFill xmlns:a14="http://schemas.microsoft.com/office/drawing/2010/main">
+                <a:solidFill>
+                  <a:srgbClr val="FFFFFF"/>
+                </a:solidFill>
+              </a14:hiddenFill>
+            </a:ext>
+          </a:extLst>
+        </p:spPr>
+      </p:pic>
+      <p:sp>
+        <p:nvSpPr>
+          <p:cNvPr id="31" name="직사각형 30">
+            <a:extLst>
+              <a:ext uri="{FF2B5EF4-FFF2-40B4-BE49-F238E27FC236}">
+                <a16:creationId xmlns:a16="http://schemas.microsoft.com/office/drawing/2014/main" id="{5F699FAB-3FB1-84CC-2F71-6D164EFD1246}"/>
+              </a:ext>
+            </a:extLst>
+          </p:cNvPr>
+          <p:cNvSpPr/>
+          <p:nvPr/>
+        </p:nvSpPr>
+        <p:spPr>
+          <a:xfrm>
+            <a:off x="0" y="2128191"/>
+            <a:ext cx="1887523" cy="4729809"/>
+          </a:xfrm>
+          <a:prstGeom prst="rect">
+            <a:avLst/>
+          </a:prstGeom>
+          <a:noFill/>
+        </p:spPr>
+        <p:style>
+          <a:lnRef idx="2">
+            <a:schemeClr val="accent1">
+              <a:shade val="15000"/>
+            </a:schemeClr>
+          </a:lnRef>
+          <a:fillRef idx="1">
+            <a:schemeClr val="accent1"/>
+          </a:fillRef>
+          <a:effectRef idx="0">
+            <a:schemeClr val="accent1"/>
+          </a:effectRef>
+          <a:fontRef idx="minor">
+            <a:schemeClr val="lt1"/>
+          </a:fontRef>
+        </p:style>
+        <p:txBody>
+          <a:bodyPr rtlCol="0" anchor="t"/>
+          <a:lstStyle/>
+          <a:p>
+            <a:r>
+              <a:rPr lang="ko-KR" altLang="en-US" sz="1600" dirty="0">
+                <a:solidFill>
+                  <a:schemeClr val="tx1"/>
+                </a:solidFill>
+              </a:rPr>
+              <a:t>카테고리</a:t>
+            </a:r>
+            <a:endParaRPr lang="en-US" altLang="ko-KR" sz="1600" dirty="0">
+              <a:solidFill>
+                <a:schemeClr val="tx1"/>
+              </a:solidFill>
+            </a:endParaRPr>
+          </a:p>
+          <a:p>
+            <a:r>
+              <a:rPr lang="en-US" altLang="ko-KR" sz="1600" dirty="0">
+                <a:solidFill>
+                  <a:schemeClr val="tx1"/>
+                </a:solidFill>
+              </a:rPr>
+              <a:t>   </a:t>
+            </a:r>
+            <a:r>
+              <a:rPr lang="en-US" altLang="ko-KR" sz="1600" b="1" dirty="0">
+                <a:solidFill>
+                  <a:schemeClr val="tx1"/>
+                </a:solidFill>
+              </a:rPr>
+              <a:t>K-Pop</a:t>
+            </a:r>
+          </a:p>
+          <a:p>
+            <a:r>
+              <a:rPr lang="en-US" altLang="ko-KR" sz="1600" dirty="0">
+                <a:solidFill>
+                  <a:schemeClr val="tx1"/>
+                </a:solidFill>
+              </a:rPr>
+              <a:t>   </a:t>
+            </a:r>
+            <a:r>
+              <a:rPr lang="ko-KR" altLang="en-US" sz="1600" dirty="0">
+                <a:solidFill>
+                  <a:schemeClr val="tx1">
+                    <a:lumMod val="50000"/>
+                    <a:lumOff val="50000"/>
+                  </a:schemeClr>
+                </a:solidFill>
+              </a:rPr>
+              <a:t>발라드</a:t>
+            </a:r>
+            <a:endParaRPr lang="en-US" altLang="ko-KR" sz="1600" dirty="0">
+              <a:solidFill>
+                <a:schemeClr val="tx1">
+                  <a:lumMod val="50000"/>
+                  <a:lumOff val="50000"/>
+                </a:schemeClr>
+              </a:solidFill>
+            </a:endParaRPr>
+          </a:p>
+          <a:p>
+            <a:r>
+              <a:rPr lang="en-US" altLang="ko-KR" sz="1600" dirty="0">
+                <a:solidFill>
+                  <a:schemeClr val="tx1">
+                    <a:lumMod val="50000"/>
+                    <a:lumOff val="50000"/>
+                  </a:schemeClr>
+                </a:solidFill>
+              </a:rPr>
+              <a:t>   </a:t>
+            </a:r>
+            <a:r>
+              <a:rPr lang="ko-KR" altLang="en-US" sz="1600" dirty="0">
+                <a:solidFill>
+                  <a:schemeClr val="tx1">
+                    <a:lumMod val="50000"/>
+                    <a:lumOff val="50000"/>
+                  </a:schemeClr>
+                </a:solidFill>
+              </a:rPr>
+              <a:t>재즈</a:t>
+            </a:r>
+            <a:endParaRPr lang="en-US" altLang="ko-KR" sz="1600" dirty="0">
+              <a:solidFill>
+                <a:schemeClr val="tx1">
+                  <a:lumMod val="50000"/>
+                  <a:lumOff val="50000"/>
+                </a:schemeClr>
+              </a:solidFill>
+            </a:endParaRPr>
+          </a:p>
+          <a:p>
+            <a:r>
+              <a:rPr lang="en-US" altLang="ko-KR" sz="1600" dirty="0">
+                <a:solidFill>
+                  <a:schemeClr val="tx1">
+                    <a:lumMod val="50000"/>
+                    <a:lumOff val="50000"/>
+                  </a:schemeClr>
+                </a:solidFill>
+              </a:rPr>
+              <a:t>   </a:t>
+            </a:r>
+            <a:r>
+              <a:rPr lang="ko-KR" altLang="en-US" sz="1600" dirty="0">
+                <a:solidFill>
+                  <a:schemeClr val="tx1">
+                    <a:lumMod val="50000"/>
+                    <a:lumOff val="50000"/>
+                  </a:schemeClr>
+                </a:solidFill>
+              </a:rPr>
+              <a:t>랩</a:t>
+            </a:r>
+            <a:endParaRPr lang="en-US" altLang="ko-KR" sz="1600" dirty="0">
+              <a:solidFill>
+                <a:schemeClr val="tx1">
+                  <a:lumMod val="50000"/>
+                  <a:lumOff val="50000"/>
+                </a:schemeClr>
+              </a:solidFill>
+            </a:endParaRPr>
+          </a:p>
+          <a:p>
+            <a:r>
+              <a:rPr lang="en-US" altLang="ko-KR" sz="1600" dirty="0">
+                <a:solidFill>
+                  <a:schemeClr val="tx1">
+                    <a:lumMod val="50000"/>
+                    <a:lumOff val="50000"/>
+                  </a:schemeClr>
+                </a:solidFill>
+              </a:rPr>
+              <a:t>   </a:t>
+            </a:r>
+            <a:r>
+              <a:rPr lang="ko-KR" altLang="en-US" sz="1600" dirty="0">
+                <a:solidFill>
+                  <a:schemeClr val="tx1">
+                    <a:lumMod val="50000"/>
+                    <a:lumOff val="50000"/>
+                  </a:schemeClr>
+                </a:solidFill>
+              </a:rPr>
+              <a:t>메탈</a:t>
+            </a:r>
+            <a:endParaRPr lang="en-US" altLang="ko-KR" sz="1600" dirty="0">
+              <a:solidFill>
+                <a:schemeClr val="tx1">
+                  <a:lumMod val="50000"/>
+                  <a:lumOff val="50000"/>
+                </a:schemeClr>
+              </a:solidFill>
+            </a:endParaRPr>
+          </a:p>
+          <a:p>
+            <a:r>
+              <a:rPr lang="en-US" altLang="ko-KR" sz="1600" dirty="0">
+                <a:solidFill>
+                  <a:schemeClr val="tx1">
+                    <a:lumMod val="50000"/>
+                    <a:lumOff val="50000"/>
+                  </a:schemeClr>
+                </a:solidFill>
+              </a:rPr>
+              <a:t>   </a:t>
+            </a:r>
+            <a:r>
+              <a:rPr lang="ko-KR" altLang="en-US" sz="1600" dirty="0" err="1">
+                <a:solidFill>
+                  <a:schemeClr val="tx1">
+                    <a:lumMod val="50000"/>
+                    <a:lumOff val="50000"/>
+                  </a:schemeClr>
+                </a:solidFill>
+              </a:rPr>
+              <a:t>락</a:t>
+            </a:r>
+            <a:endParaRPr lang="en-US" altLang="ko-KR" sz="1600" dirty="0">
+              <a:solidFill>
+                <a:schemeClr val="tx1">
+                  <a:lumMod val="50000"/>
+                  <a:lumOff val="50000"/>
+                </a:schemeClr>
+              </a:solidFill>
+            </a:endParaRPr>
+          </a:p>
+        </p:txBody>
+      </p:sp>
       <p:grpSp>
         <p:nvGrpSpPr>
           <p:cNvPr id="33" name="그룹 32">
@@ -5847,10 +8360,10 @@
       </p:grpSp>
       <p:sp>
         <p:nvSpPr>
-          <p:cNvPr id="49" name="말풍선: 모서리가 둥근 사각형 48">
-            <a:extLst>
-              <a:ext uri="{FF2B5EF4-FFF2-40B4-BE49-F238E27FC236}">
-                <a16:creationId xmlns:a16="http://schemas.microsoft.com/office/drawing/2014/main" id="{2E01902F-EB0C-49E2-F29F-7F52FB2AE7B5}"/>
+          <p:cNvPr id="3" name="직사각형 2">
+            <a:extLst>
+              <a:ext uri="{FF2B5EF4-FFF2-40B4-BE49-F238E27FC236}">
+                <a16:creationId xmlns:a16="http://schemas.microsoft.com/office/drawing/2014/main" id="{21D03F56-D47E-E34F-344D-3CCD67BA367A}"/>
               </a:ext>
             </a:extLst>
           </p:cNvPr>
@@ -5859,17 +8372,67 @@
         </p:nvSpPr>
         <p:spPr>
           <a:xfrm>
-            <a:off x="7475287" y="40396"/>
-            <a:ext cx="1607070" cy="420405"/>
+            <a:off x="0" y="0"/>
+            <a:ext cx="12192000" cy="6858000"/>
           </a:xfrm>
-          <a:prstGeom prst="wedgeRoundRectCallout">
-            <a:avLst>
-              <a:gd name="adj1" fmla="val -51827"/>
-              <a:gd name="adj2" fmla="val 137153"/>
-              <a:gd name="adj3" fmla="val 16667"/>
-            </a:avLst>
+          <a:prstGeom prst="rect">
+            <a:avLst/>
           </a:prstGeom>
-          <a:noFill/>
+          <a:solidFill>
+            <a:schemeClr val="accent3">
+              <a:alpha val="50000"/>
+            </a:schemeClr>
+          </a:solidFill>
+          <a:ln>
+            <a:noFill/>
+          </a:ln>
+        </p:spPr>
+        <p:style>
+          <a:lnRef idx="0">
+            <a:scrgbClr r="0" g="0" b="0"/>
+          </a:lnRef>
+          <a:fillRef idx="0">
+            <a:scrgbClr r="0" g="0" b="0"/>
+          </a:fillRef>
+          <a:effectRef idx="0">
+            <a:scrgbClr r="0" g="0" b="0"/>
+          </a:effectRef>
+          <a:fontRef idx="minor">
+            <a:schemeClr val="lt1"/>
+          </a:fontRef>
+        </p:style>
+        <p:txBody>
+          <a:bodyPr rtlCol="0" anchor="ctr"/>
+          <a:lstStyle/>
+          <a:p>
+            <a:pPr algn="ctr"/>
+            <a:endParaRPr lang="ko-KR" altLang="en-US" dirty="0"/>
+          </a:p>
+        </p:txBody>
+      </p:sp>
+      <p:sp>
+        <p:nvSpPr>
+          <p:cNvPr id="4" name="직사각형 3">
+            <a:extLst>
+              <a:ext uri="{FF2B5EF4-FFF2-40B4-BE49-F238E27FC236}">
+                <a16:creationId xmlns:a16="http://schemas.microsoft.com/office/drawing/2014/main" id="{33F616DD-49CE-A957-9FC9-4663EE120A4E}"/>
+              </a:ext>
+            </a:extLst>
+          </p:cNvPr>
+          <p:cNvSpPr/>
+          <p:nvPr/>
+        </p:nvSpPr>
+        <p:spPr>
+          <a:xfrm>
+            <a:off x="3549941" y="79695"/>
+            <a:ext cx="5092118" cy="6698610"/>
+          </a:xfrm>
+          <a:prstGeom prst="rect">
+            <a:avLst/>
+          </a:prstGeom>
+          <a:solidFill>
+            <a:schemeClr val="bg1"/>
+          </a:solidFill>
         </p:spPr>
         <p:style>
           <a:lnRef idx="2">
@@ -5892,26 +8455,1066 @@
           <a:lstStyle/>
           <a:p>
             <a:pPr algn="ctr"/>
-            <a:r>
-              <a:rPr lang="ko-KR" altLang="en-US" sz="1050">
-                <a:solidFill>
-                  <a:schemeClr val="tx1"/>
-                </a:solidFill>
-              </a:rPr>
-              <a:t>배너 썸네일 랜덤재생</a:t>
-            </a:r>
-            <a:endParaRPr lang="ko-KR" altLang="en-US" sz="1050" dirty="0">
+            <a:endParaRPr lang="ko-KR" altLang="en-US"/>
+          </a:p>
+        </p:txBody>
+      </p:sp>
+      <p:sp>
+        <p:nvSpPr>
+          <p:cNvPr id="5" name="직사각형 4">
+            <a:extLst>
+              <a:ext uri="{FF2B5EF4-FFF2-40B4-BE49-F238E27FC236}">
+                <a16:creationId xmlns:a16="http://schemas.microsoft.com/office/drawing/2014/main" id="{B1140E2C-C398-59D7-0E12-53C212F99D72}"/>
+              </a:ext>
+            </a:extLst>
+          </p:cNvPr>
+          <p:cNvSpPr/>
+          <p:nvPr/>
+        </p:nvSpPr>
+        <p:spPr>
+          <a:xfrm>
+            <a:off x="3657600" y="293615"/>
+            <a:ext cx="1459684" cy="343948"/>
+          </a:xfrm>
+          <a:prstGeom prst="rect">
+            <a:avLst/>
+          </a:prstGeom>
+          <a:solidFill>
+            <a:schemeClr val="bg1"/>
+          </a:solidFill>
+        </p:spPr>
+        <p:style>
+          <a:lnRef idx="2">
+            <a:schemeClr val="accent1">
+              <a:shade val="15000"/>
+            </a:schemeClr>
+          </a:lnRef>
+          <a:fillRef idx="1">
+            <a:schemeClr val="accent1"/>
+          </a:fillRef>
+          <a:effectRef idx="0">
+            <a:schemeClr val="accent1"/>
+          </a:effectRef>
+          <a:fontRef idx="minor">
+            <a:schemeClr val="lt1"/>
+          </a:fontRef>
+        </p:style>
+        <p:txBody>
+          <a:bodyPr rtlCol="0" anchor="ctr"/>
+          <a:lstStyle/>
+          <a:p>
+            <a:pPr algn="ctr"/>
+            <a:r>
+              <a:rPr lang="en-US" altLang="ko-KR" sz="1600" dirty="0" err="1">
+                <a:solidFill>
+                  <a:schemeClr val="tx1"/>
+                </a:solidFill>
+              </a:rPr>
+              <a:t>Youtube</a:t>
+            </a:r>
+            <a:r>
+              <a:rPr lang="en-US" altLang="ko-KR" sz="1600" dirty="0">
+                <a:solidFill>
+                  <a:schemeClr val="tx1"/>
+                </a:solidFill>
+              </a:rPr>
+              <a:t> Link</a:t>
+            </a:r>
+            <a:endParaRPr lang="ko-KR" altLang="en-US" sz="1600" dirty="0">
               <a:solidFill>
                 <a:schemeClr val="tx1"/>
               </a:solidFill>
             </a:endParaRPr>
+          </a:p>
+        </p:txBody>
+      </p:sp>
+      <p:sp>
+        <p:nvSpPr>
+          <p:cNvPr id="6" name="직사각형 5">
+            <a:extLst>
+              <a:ext uri="{FF2B5EF4-FFF2-40B4-BE49-F238E27FC236}">
+                <a16:creationId xmlns:a16="http://schemas.microsoft.com/office/drawing/2014/main" id="{CCF7A226-D5C5-F89E-C8BF-F1243F61A737}"/>
+              </a:ext>
+            </a:extLst>
+          </p:cNvPr>
+          <p:cNvSpPr/>
+          <p:nvPr/>
+        </p:nvSpPr>
+        <p:spPr>
+          <a:xfrm>
+            <a:off x="5224942" y="293615"/>
+            <a:ext cx="3306661" cy="343948"/>
+          </a:xfrm>
+          <a:prstGeom prst="rect">
+            <a:avLst/>
+          </a:prstGeom>
+          <a:solidFill>
+            <a:schemeClr val="bg1"/>
+          </a:solidFill>
+        </p:spPr>
+        <p:style>
+          <a:lnRef idx="2">
+            <a:schemeClr val="accent1">
+              <a:shade val="15000"/>
+            </a:schemeClr>
+          </a:lnRef>
+          <a:fillRef idx="1">
+            <a:schemeClr val="accent1"/>
+          </a:fillRef>
+          <a:effectRef idx="0">
+            <a:schemeClr val="accent1"/>
+          </a:effectRef>
+          <a:fontRef idx="minor">
+            <a:schemeClr val="lt1"/>
+          </a:fontRef>
+        </p:style>
+        <p:txBody>
+          <a:bodyPr rtlCol="0" anchor="ctr"/>
+          <a:lstStyle/>
+          <a:p>
+            <a:pPr algn="ctr"/>
+            <a:r>
+              <a:rPr lang="en-US" altLang="ko-KR" dirty="0">
+                <a:solidFill>
+                  <a:schemeClr val="tx1"/>
+                </a:solidFill>
+              </a:rPr>
+              <a:t>https://Youtube.link.com</a:t>
+            </a:r>
+            <a:endParaRPr lang="ko-KR" altLang="en-US" dirty="0">
+              <a:solidFill>
+                <a:schemeClr val="tx1"/>
+              </a:solidFill>
+            </a:endParaRPr>
+          </a:p>
+        </p:txBody>
+      </p:sp>
+      <p:sp>
+        <p:nvSpPr>
+          <p:cNvPr id="7" name="직사각형 6">
+            <a:extLst>
+              <a:ext uri="{FF2B5EF4-FFF2-40B4-BE49-F238E27FC236}">
+                <a16:creationId xmlns:a16="http://schemas.microsoft.com/office/drawing/2014/main" id="{4FB3367D-0444-BCAD-D614-B4E3CA45B77D}"/>
+              </a:ext>
+            </a:extLst>
+          </p:cNvPr>
+          <p:cNvSpPr/>
+          <p:nvPr/>
+        </p:nvSpPr>
+        <p:spPr>
+          <a:xfrm>
+            <a:off x="3657600" y="756408"/>
+            <a:ext cx="1459684" cy="343948"/>
+          </a:xfrm>
+          <a:prstGeom prst="rect">
+            <a:avLst/>
+          </a:prstGeom>
+          <a:solidFill>
+            <a:schemeClr val="bg1"/>
+          </a:solidFill>
+        </p:spPr>
+        <p:style>
+          <a:lnRef idx="2">
+            <a:schemeClr val="accent1">
+              <a:shade val="15000"/>
+            </a:schemeClr>
+          </a:lnRef>
+          <a:fillRef idx="1">
+            <a:schemeClr val="accent1"/>
+          </a:fillRef>
+          <a:effectRef idx="0">
+            <a:schemeClr val="accent1"/>
+          </a:effectRef>
+          <a:fontRef idx="minor">
+            <a:schemeClr val="lt1"/>
+          </a:fontRef>
+        </p:style>
+        <p:txBody>
+          <a:bodyPr rtlCol="0" anchor="ctr"/>
+          <a:lstStyle/>
+          <a:p>
+            <a:pPr algn="ctr"/>
+            <a:r>
+              <a:rPr lang="ko-KR" altLang="en-US" dirty="0">
+                <a:solidFill>
+                  <a:schemeClr val="tx1"/>
+                </a:solidFill>
+              </a:rPr>
+              <a:t>제목</a:t>
+            </a:r>
+          </a:p>
+        </p:txBody>
+      </p:sp>
+      <p:sp>
+        <p:nvSpPr>
+          <p:cNvPr id="8" name="직사각형 7">
+            <a:extLst>
+              <a:ext uri="{FF2B5EF4-FFF2-40B4-BE49-F238E27FC236}">
+                <a16:creationId xmlns:a16="http://schemas.microsoft.com/office/drawing/2014/main" id="{3181767C-17BC-8297-BDB1-914596D5D467}"/>
+              </a:ext>
+            </a:extLst>
+          </p:cNvPr>
+          <p:cNvSpPr/>
+          <p:nvPr/>
+        </p:nvSpPr>
+        <p:spPr>
+          <a:xfrm>
+            <a:off x="5224942" y="756408"/>
+            <a:ext cx="3306661" cy="343948"/>
+          </a:xfrm>
+          <a:prstGeom prst="rect">
+            <a:avLst/>
+          </a:prstGeom>
+          <a:solidFill>
+            <a:schemeClr val="bg1"/>
+          </a:solidFill>
+        </p:spPr>
+        <p:style>
+          <a:lnRef idx="2">
+            <a:schemeClr val="accent1">
+              <a:shade val="15000"/>
+            </a:schemeClr>
+          </a:lnRef>
+          <a:fillRef idx="1">
+            <a:schemeClr val="accent1"/>
+          </a:fillRef>
+          <a:effectRef idx="0">
+            <a:schemeClr val="accent1"/>
+          </a:effectRef>
+          <a:fontRef idx="minor">
+            <a:schemeClr val="lt1"/>
+          </a:fontRef>
+        </p:style>
+        <p:txBody>
+          <a:bodyPr rtlCol="0" anchor="ctr"/>
+          <a:lstStyle/>
+          <a:p>
+            <a:pPr algn="ctr"/>
+            <a:r>
+              <a:rPr lang="ko-KR" altLang="en-US" dirty="0" err="1">
+                <a:solidFill>
+                  <a:schemeClr val="tx1"/>
+                </a:solidFill>
+              </a:rPr>
+              <a:t>참쉽조</a:t>
+            </a:r>
+            <a:endParaRPr lang="ko-KR" altLang="en-US" dirty="0">
+              <a:solidFill>
+                <a:schemeClr val="tx1"/>
+              </a:solidFill>
+            </a:endParaRPr>
+          </a:p>
+        </p:txBody>
+      </p:sp>
+      <p:sp>
+        <p:nvSpPr>
+          <p:cNvPr id="9" name="직사각형 8">
+            <a:extLst>
+              <a:ext uri="{FF2B5EF4-FFF2-40B4-BE49-F238E27FC236}">
+                <a16:creationId xmlns:a16="http://schemas.microsoft.com/office/drawing/2014/main" id="{283DEB6F-9936-B136-7B2F-A0C3A7920C43}"/>
+              </a:ext>
+            </a:extLst>
+          </p:cNvPr>
+          <p:cNvSpPr/>
+          <p:nvPr/>
+        </p:nvSpPr>
+        <p:spPr>
+          <a:xfrm>
+            <a:off x="3657600" y="1220600"/>
+            <a:ext cx="1459684" cy="343948"/>
+          </a:xfrm>
+          <a:prstGeom prst="rect">
+            <a:avLst/>
+          </a:prstGeom>
+          <a:solidFill>
+            <a:schemeClr val="bg1"/>
+          </a:solidFill>
+        </p:spPr>
+        <p:style>
+          <a:lnRef idx="2">
+            <a:schemeClr val="accent1">
+              <a:shade val="15000"/>
+            </a:schemeClr>
+          </a:lnRef>
+          <a:fillRef idx="1">
+            <a:schemeClr val="accent1"/>
+          </a:fillRef>
+          <a:effectRef idx="0">
+            <a:schemeClr val="accent1"/>
+          </a:effectRef>
+          <a:fontRef idx="minor">
+            <a:schemeClr val="lt1"/>
+          </a:fontRef>
+        </p:style>
+        <p:txBody>
+          <a:bodyPr rtlCol="0" anchor="ctr"/>
+          <a:lstStyle/>
+          <a:p>
+            <a:pPr algn="ctr"/>
+            <a:r>
+              <a:rPr lang="ko-KR" altLang="en-US" dirty="0">
+                <a:solidFill>
+                  <a:schemeClr val="tx1"/>
+                </a:solidFill>
+              </a:rPr>
+              <a:t>가수</a:t>
+            </a:r>
+          </a:p>
+        </p:txBody>
+      </p:sp>
+      <p:sp>
+        <p:nvSpPr>
+          <p:cNvPr id="10" name="직사각형 9">
+            <a:extLst>
+              <a:ext uri="{FF2B5EF4-FFF2-40B4-BE49-F238E27FC236}">
+                <a16:creationId xmlns:a16="http://schemas.microsoft.com/office/drawing/2014/main" id="{D037C0B7-54E1-4036-9DA9-D85934001499}"/>
+              </a:ext>
+            </a:extLst>
+          </p:cNvPr>
+          <p:cNvSpPr/>
+          <p:nvPr/>
+        </p:nvSpPr>
+        <p:spPr>
+          <a:xfrm>
+            <a:off x="5224942" y="1220600"/>
+            <a:ext cx="3306661" cy="343948"/>
+          </a:xfrm>
+          <a:prstGeom prst="rect">
+            <a:avLst/>
+          </a:prstGeom>
+          <a:solidFill>
+            <a:schemeClr val="bg1"/>
+          </a:solidFill>
+        </p:spPr>
+        <p:style>
+          <a:lnRef idx="2">
+            <a:schemeClr val="accent1">
+              <a:shade val="15000"/>
+            </a:schemeClr>
+          </a:lnRef>
+          <a:fillRef idx="1">
+            <a:schemeClr val="accent1"/>
+          </a:fillRef>
+          <a:effectRef idx="0">
+            <a:schemeClr val="accent1"/>
+          </a:effectRef>
+          <a:fontRef idx="minor">
+            <a:schemeClr val="lt1"/>
+          </a:fontRef>
+        </p:style>
+        <p:txBody>
+          <a:bodyPr rtlCol="0" anchor="ctr"/>
+          <a:lstStyle/>
+          <a:p>
+            <a:pPr algn="ctr"/>
+            <a:r>
+              <a:rPr lang="ko-KR" altLang="en-US" dirty="0">
+                <a:solidFill>
+                  <a:schemeClr val="tx1"/>
+                </a:solidFill>
+              </a:rPr>
+              <a:t>김성진</a:t>
+            </a:r>
+          </a:p>
+        </p:txBody>
+      </p:sp>
+      <p:sp>
+        <p:nvSpPr>
+          <p:cNvPr id="11" name="직사각형 10">
+            <a:extLst>
+              <a:ext uri="{FF2B5EF4-FFF2-40B4-BE49-F238E27FC236}">
+                <a16:creationId xmlns:a16="http://schemas.microsoft.com/office/drawing/2014/main" id="{00C858C5-635E-8032-A681-2A3629FE4D4C}"/>
+              </a:ext>
+            </a:extLst>
+          </p:cNvPr>
+          <p:cNvSpPr/>
+          <p:nvPr/>
+        </p:nvSpPr>
+        <p:spPr>
+          <a:xfrm>
+            <a:off x="3657600" y="1684791"/>
+            <a:ext cx="1459684" cy="487957"/>
+          </a:xfrm>
+          <a:prstGeom prst="rect">
+            <a:avLst/>
+          </a:prstGeom>
+          <a:solidFill>
+            <a:schemeClr val="bg1"/>
+          </a:solidFill>
+        </p:spPr>
+        <p:style>
+          <a:lnRef idx="2">
+            <a:schemeClr val="accent1">
+              <a:shade val="15000"/>
+            </a:schemeClr>
+          </a:lnRef>
+          <a:fillRef idx="1">
+            <a:schemeClr val="accent1"/>
+          </a:fillRef>
+          <a:effectRef idx="0">
+            <a:schemeClr val="accent1"/>
+          </a:effectRef>
+          <a:fontRef idx="minor">
+            <a:schemeClr val="lt1"/>
+          </a:fontRef>
+        </p:style>
+        <p:txBody>
+          <a:bodyPr rtlCol="0" anchor="ctr"/>
+          <a:lstStyle/>
+          <a:p>
+            <a:pPr algn="ctr"/>
+            <a:r>
+              <a:rPr lang="ko-KR" altLang="en-US" dirty="0">
+                <a:solidFill>
+                  <a:schemeClr val="tx1"/>
+                </a:solidFill>
+              </a:rPr>
+              <a:t>추천 이유</a:t>
+            </a:r>
+          </a:p>
+        </p:txBody>
+      </p:sp>
+      <p:sp>
+        <p:nvSpPr>
+          <p:cNvPr id="12" name="직사각형 11">
+            <a:extLst>
+              <a:ext uri="{FF2B5EF4-FFF2-40B4-BE49-F238E27FC236}">
+                <a16:creationId xmlns:a16="http://schemas.microsoft.com/office/drawing/2014/main" id="{AC302B57-F8E9-B653-0B7C-AC2FD0AB36C3}"/>
+              </a:ext>
+            </a:extLst>
+          </p:cNvPr>
+          <p:cNvSpPr/>
+          <p:nvPr/>
+        </p:nvSpPr>
+        <p:spPr>
+          <a:xfrm>
+            <a:off x="5224942" y="1684791"/>
+            <a:ext cx="3306661" cy="2442591"/>
+          </a:xfrm>
+          <a:prstGeom prst="rect">
+            <a:avLst/>
+          </a:prstGeom>
+          <a:solidFill>
+            <a:schemeClr val="bg1"/>
+          </a:solidFill>
+        </p:spPr>
+        <p:style>
+          <a:lnRef idx="2">
+            <a:schemeClr val="accent1">
+              <a:shade val="15000"/>
+            </a:schemeClr>
+          </a:lnRef>
+          <a:fillRef idx="1">
+            <a:schemeClr val="accent1"/>
+          </a:fillRef>
+          <a:effectRef idx="0">
+            <a:schemeClr val="accent1"/>
+          </a:effectRef>
+          <a:fontRef idx="minor">
+            <a:schemeClr val="lt1"/>
+          </a:fontRef>
+        </p:style>
+        <p:txBody>
+          <a:bodyPr rtlCol="0" anchor="t"/>
+          <a:lstStyle/>
+          <a:p>
+            <a:r>
+              <a:rPr lang="ko-KR" altLang="en-US" dirty="0">
+                <a:solidFill>
+                  <a:schemeClr val="tx1"/>
+                </a:solidFill>
+              </a:rPr>
+              <a:t>그냥 좋다 막 좋다</a:t>
+            </a:r>
+          </a:p>
+        </p:txBody>
+      </p:sp>
+      <p:sp>
+        <p:nvSpPr>
+          <p:cNvPr id="13" name="직사각형 12">
+            <a:extLst>
+              <a:ext uri="{FF2B5EF4-FFF2-40B4-BE49-F238E27FC236}">
+                <a16:creationId xmlns:a16="http://schemas.microsoft.com/office/drawing/2014/main" id="{5BB2218A-42F5-0B76-2A34-1B3F7AA8CF34}"/>
+              </a:ext>
+            </a:extLst>
+          </p:cNvPr>
+          <p:cNvSpPr/>
+          <p:nvPr/>
+        </p:nvSpPr>
+        <p:spPr>
+          <a:xfrm>
+            <a:off x="3657600" y="4341305"/>
+            <a:ext cx="1459684" cy="343948"/>
+          </a:xfrm>
+          <a:prstGeom prst="rect">
+            <a:avLst/>
+          </a:prstGeom>
+          <a:solidFill>
+            <a:schemeClr val="bg1"/>
+          </a:solidFill>
+        </p:spPr>
+        <p:style>
+          <a:lnRef idx="2">
+            <a:schemeClr val="accent1">
+              <a:shade val="15000"/>
+            </a:schemeClr>
+          </a:lnRef>
+          <a:fillRef idx="1">
+            <a:schemeClr val="accent1"/>
+          </a:fillRef>
+          <a:effectRef idx="0">
+            <a:schemeClr val="accent1"/>
+          </a:effectRef>
+          <a:fontRef idx="minor">
+            <a:schemeClr val="lt1"/>
+          </a:fontRef>
+        </p:style>
+        <p:txBody>
+          <a:bodyPr rtlCol="0" anchor="ctr"/>
+          <a:lstStyle/>
+          <a:p>
+            <a:pPr algn="ctr"/>
+            <a:r>
+              <a:rPr lang="ko-KR" altLang="en-US" dirty="0">
+                <a:solidFill>
+                  <a:schemeClr val="tx1"/>
+                </a:solidFill>
+              </a:rPr>
+              <a:t>장르</a:t>
+            </a:r>
+          </a:p>
+        </p:txBody>
+      </p:sp>
+      <p:sp>
+        <p:nvSpPr>
+          <p:cNvPr id="17" name="이등변 삼각형 16">
+            <a:extLst>
+              <a:ext uri="{FF2B5EF4-FFF2-40B4-BE49-F238E27FC236}">
+                <a16:creationId xmlns:a16="http://schemas.microsoft.com/office/drawing/2014/main" id="{F963FE74-8253-E936-A116-B1AB3BAE1BD2}"/>
+              </a:ext>
+            </a:extLst>
+          </p:cNvPr>
+          <p:cNvSpPr/>
+          <p:nvPr/>
+        </p:nvSpPr>
+        <p:spPr>
+          <a:xfrm rot="10800000">
+            <a:off x="5394122" y="4441973"/>
+            <a:ext cx="159391" cy="142612"/>
+          </a:xfrm>
+          <a:prstGeom prst="triangle">
+            <a:avLst/>
+          </a:prstGeom>
+          <a:solidFill>
+            <a:schemeClr val="bg1"/>
+          </a:solidFill>
+          <a:ln>
+            <a:noFill/>
+          </a:ln>
+        </p:spPr>
+        <p:style>
+          <a:lnRef idx="2">
+            <a:schemeClr val="accent1">
+              <a:shade val="15000"/>
+            </a:schemeClr>
+          </a:lnRef>
+          <a:fillRef idx="1">
+            <a:schemeClr val="accent1"/>
+          </a:fillRef>
+          <a:effectRef idx="0">
+            <a:schemeClr val="accent1"/>
+          </a:effectRef>
+          <a:fontRef idx="minor">
+            <a:schemeClr val="lt1"/>
+          </a:fontRef>
+        </p:style>
+        <p:txBody>
+          <a:bodyPr rtlCol="0" anchor="ctr"/>
+          <a:lstStyle/>
+          <a:p>
+            <a:pPr algn="ctr"/>
+            <a:endParaRPr lang="ko-KR" altLang="en-US"/>
+          </a:p>
+        </p:txBody>
+      </p:sp>
+      <p:sp>
+        <p:nvSpPr>
+          <p:cNvPr id="18" name="부제목 2">
+            <a:extLst>
+              <a:ext uri="{FF2B5EF4-FFF2-40B4-BE49-F238E27FC236}">
+                <a16:creationId xmlns:a16="http://schemas.microsoft.com/office/drawing/2014/main" id="{7490A52F-A2A2-4DA3-B6F8-314290AA46CD}"/>
+              </a:ext>
+            </a:extLst>
+          </p:cNvPr>
+          <p:cNvSpPr txBox="1">
+            <a:spLocks/>
+          </p:cNvSpPr>
+          <p:nvPr/>
+        </p:nvSpPr>
+        <p:spPr>
+          <a:xfrm>
+            <a:off x="5612933" y="4341305"/>
+            <a:ext cx="1048623" cy="1396765"/>
+          </a:xfrm>
+          <a:prstGeom prst="rect">
+            <a:avLst/>
+          </a:prstGeom>
+          <a:solidFill>
+            <a:schemeClr val="bg1"/>
+          </a:solidFill>
+          <a:ln>
+            <a:noFill/>
+          </a:ln>
+        </p:spPr>
+        <p:txBody>
+          <a:bodyPr vert="horz" lIns="91440" tIns="45720" rIns="91440" bIns="45720" rtlCol="0" anchor="t">
+            <a:normAutofit/>
+          </a:bodyPr>
+          <a:lstStyle>
+            <a:lvl1pPr marL="0" indent="0" algn="ctr" defTabSz="914400" rtl="0" eaLnBrk="1" latinLnBrk="1" hangingPunct="1">
+              <a:lnSpc>
+                <a:spcPct val="90000"/>
+              </a:lnSpc>
+              <a:spcBef>
+                <a:spcPts val="1000"/>
+              </a:spcBef>
+              <a:buFont typeface="Arial" panose="020B0604020202020204" pitchFamily="34" charset="0"/>
+              <a:buNone/>
+              <a:defRPr sz="2400" kern="1200">
+                <a:solidFill>
+                  <a:schemeClr val="tx1"/>
+                </a:solidFill>
+                <a:latin typeface="+mn-lt"/>
+                <a:ea typeface="+mn-ea"/>
+                <a:cs typeface="+mn-cs"/>
+              </a:defRPr>
+            </a:lvl1pPr>
+            <a:lvl2pPr marL="457200" indent="0" algn="ctr" defTabSz="914400" rtl="0" eaLnBrk="1" latinLnBrk="1" hangingPunct="1">
+              <a:lnSpc>
+                <a:spcPct val="90000"/>
+              </a:lnSpc>
+              <a:spcBef>
+                <a:spcPts val="500"/>
+              </a:spcBef>
+              <a:buFont typeface="Arial" panose="020B0604020202020204" pitchFamily="34" charset="0"/>
+              <a:buNone/>
+              <a:defRPr sz="2000" kern="1200">
+                <a:solidFill>
+                  <a:schemeClr val="tx1"/>
+                </a:solidFill>
+                <a:latin typeface="+mn-lt"/>
+                <a:ea typeface="+mn-ea"/>
+                <a:cs typeface="+mn-cs"/>
+              </a:defRPr>
+            </a:lvl2pPr>
+            <a:lvl3pPr marL="914400" indent="0" algn="ctr" defTabSz="914400" rtl="0" eaLnBrk="1" latinLnBrk="1" hangingPunct="1">
+              <a:lnSpc>
+                <a:spcPct val="90000"/>
+              </a:lnSpc>
+              <a:spcBef>
+                <a:spcPts val="500"/>
+              </a:spcBef>
+              <a:buFont typeface="Arial" panose="020B0604020202020204" pitchFamily="34" charset="0"/>
+              <a:buNone/>
+              <a:defRPr sz="1800" kern="1200">
+                <a:solidFill>
+                  <a:schemeClr val="tx1"/>
+                </a:solidFill>
+                <a:latin typeface="+mn-lt"/>
+                <a:ea typeface="+mn-ea"/>
+                <a:cs typeface="+mn-cs"/>
+              </a:defRPr>
+            </a:lvl3pPr>
+            <a:lvl4pPr marL="1371600" indent="0" algn="ctr" defTabSz="914400" rtl="0" eaLnBrk="1" latinLnBrk="1" hangingPunct="1">
+              <a:lnSpc>
+                <a:spcPct val="90000"/>
+              </a:lnSpc>
+              <a:spcBef>
+                <a:spcPts val="500"/>
+              </a:spcBef>
+              <a:buFont typeface="Arial" panose="020B0604020202020204" pitchFamily="34" charset="0"/>
+              <a:buNone/>
+              <a:defRPr sz="1600" kern="1200">
+                <a:solidFill>
+                  <a:schemeClr val="tx1"/>
+                </a:solidFill>
+                <a:latin typeface="+mn-lt"/>
+                <a:ea typeface="+mn-ea"/>
+                <a:cs typeface="+mn-cs"/>
+              </a:defRPr>
+            </a:lvl4pPr>
+            <a:lvl5pPr marL="1828800" indent="0" algn="ctr" defTabSz="914400" rtl="0" eaLnBrk="1" latinLnBrk="1" hangingPunct="1">
+              <a:lnSpc>
+                <a:spcPct val="90000"/>
+              </a:lnSpc>
+              <a:spcBef>
+                <a:spcPts val="500"/>
+              </a:spcBef>
+              <a:buFont typeface="Arial" panose="020B0604020202020204" pitchFamily="34" charset="0"/>
+              <a:buNone/>
+              <a:defRPr sz="1600" kern="1200">
+                <a:solidFill>
+                  <a:schemeClr val="tx1"/>
+                </a:solidFill>
+                <a:latin typeface="+mn-lt"/>
+                <a:ea typeface="+mn-ea"/>
+                <a:cs typeface="+mn-cs"/>
+              </a:defRPr>
+            </a:lvl5pPr>
+            <a:lvl6pPr marL="2286000" indent="0" algn="ctr" defTabSz="914400" rtl="0" eaLnBrk="1" latinLnBrk="1" hangingPunct="1">
+              <a:lnSpc>
+                <a:spcPct val="90000"/>
+              </a:lnSpc>
+              <a:spcBef>
+                <a:spcPts val="500"/>
+              </a:spcBef>
+              <a:buFont typeface="Arial" panose="020B0604020202020204" pitchFamily="34" charset="0"/>
+              <a:buNone/>
+              <a:defRPr sz="1600" kern="1200">
+                <a:solidFill>
+                  <a:schemeClr val="tx1"/>
+                </a:solidFill>
+                <a:latin typeface="+mn-lt"/>
+                <a:ea typeface="+mn-ea"/>
+                <a:cs typeface="+mn-cs"/>
+              </a:defRPr>
+            </a:lvl6pPr>
+            <a:lvl7pPr marL="2743200" indent="0" algn="ctr" defTabSz="914400" rtl="0" eaLnBrk="1" latinLnBrk="1" hangingPunct="1">
+              <a:lnSpc>
+                <a:spcPct val="90000"/>
+              </a:lnSpc>
+              <a:spcBef>
+                <a:spcPts val="500"/>
+              </a:spcBef>
+              <a:buFont typeface="Arial" panose="020B0604020202020204" pitchFamily="34" charset="0"/>
+              <a:buNone/>
+              <a:defRPr sz="1600" kern="1200">
+                <a:solidFill>
+                  <a:schemeClr val="tx1"/>
+                </a:solidFill>
+                <a:latin typeface="+mn-lt"/>
+                <a:ea typeface="+mn-ea"/>
+                <a:cs typeface="+mn-cs"/>
+              </a:defRPr>
+            </a:lvl7pPr>
+            <a:lvl8pPr marL="3200400" indent="0" algn="ctr" defTabSz="914400" rtl="0" eaLnBrk="1" latinLnBrk="1" hangingPunct="1">
+              <a:lnSpc>
+                <a:spcPct val="90000"/>
+              </a:lnSpc>
+              <a:spcBef>
+                <a:spcPts val="500"/>
+              </a:spcBef>
+              <a:buFont typeface="Arial" panose="020B0604020202020204" pitchFamily="34" charset="0"/>
+              <a:buNone/>
+              <a:defRPr sz="1600" kern="1200">
+                <a:solidFill>
+                  <a:schemeClr val="tx1"/>
+                </a:solidFill>
+                <a:latin typeface="+mn-lt"/>
+                <a:ea typeface="+mn-ea"/>
+                <a:cs typeface="+mn-cs"/>
+              </a:defRPr>
+            </a:lvl8pPr>
+            <a:lvl9pPr marL="3657600" indent="0" algn="ctr" defTabSz="914400" rtl="0" eaLnBrk="1" latinLnBrk="1" hangingPunct="1">
+              <a:lnSpc>
+                <a:spcPct val="90000"/>
+              </a:lnSpc>
+              <a:spcBef>
+                <a:spcPts val="500"/>
+              </a:spcBef>
+              <a:buFont typeface="Arial" panose="020B0604020202020204" pitchFamily="34" charset="0"/>
+              <a:buNone/>
+              <a:defRPr sz="1600" kern="1200">
+                <a:solidFill>
+                  <a:schemeClr val="tx1"/>
+                </a:solidFill>
+                <a:latin typeface="+mn-lt"/>
+                <a:ea typeface="+mn-ea"/>
+                <a:cs typeface="+mn-cs"/>
+              </a:defRPr>
+            </a:lvl9pPr>
+          </a:lstStyle>
+          <a:p>
+            <a:pPr algn="l"/>
+            <a:r>
+              <a:rPr lang="ko-KR" altLang="en-US" sz="1400" dirty="0"/>
+              <a:t>발라드</a:t>
+            </a:r>
+            <a:endParaRPr lang="en-US" altLang="ko-KR" sz="1400" dirty="0"/>
+          </a:p>
+          <a:p>
+            <a:pPr algn="l"/>
+            <a:r>
+              <a:rPr lang="en-US" altLang="ko-KR" sz="1400" dirty="0"/>
+              <a:t>K-pop</a:t>
+            </a:r>
+          </a:p>
+          <a:p>
+            <a:pPr algn="l"/>
+            <a:r>
+              <a:rPr lang="en-US" altLang="ko-KR" sz="1400" dirty="0"/>
+              <a:t>Jazz</a:t>
+            </a:r>
+          </a:p>
+          <a:p>
+            <a:pPr algn="l"/>
+            <a:r>
+              <a:rPr lang="ko-KR" altLang="en-US" sz="1400" dirty="0"/>
+              <a:t>등등</a:t>
+            </a:r>
+          </a:p>
+        </p:txBody>
+      </p:sp>
+      <p:sp>
+        <p:nvSpPr>
+          <p:cNvPr id="19" name="직사각형 18">
+            <a:extLst>
+              <a:ext uri="{FF2B5EF4-FFF2-40B4-BE49-F238E27FC236}">
+                <a16:creationId xmlns:a16="http://schemas.microsoft.com/office/drawing/2014/main" id="{BB7A7C4E-BF40-CEE1-F6EB-3129FACC0869}"/>
+              </a:ext>
+            </a:extLst>
+          </p:cNvPr>
+          <p:cNvSpPr/>
+          <p:nvPr/>
+        </p:nvSpPr>
+        <p:spPr>
+          <a:xfrm>
+            <a:off x="4483913" y="6086213"/>
+            <a:ext cx="3306661" cy="343948"/>
+          </a:xfrm>
+          <a:prstGeom prst="rect">
+            <a:avLst/>
+          </a:prstGeom>
+          <a:solidFill>
+            <a:schemeClr val="bg1"/>
+          </a:solidFill>
+        </p:spPr>
+        <p:style>
+          <a:lnRef idx="2">
+            <a:schemeClr val="accent1">
+              <a:shade val="15000"/>
+            </a:schemeClr>
+          </a:lnRef>
+          <a:fillRef idx="1">
+            <a:schemeClr val="accent1"/>
+          </a:fillRef>
+          <a:effectRef idx="0">
+            <a:schemeClr val="accent1"/>
+          </a:effectRef>
+          <a:fontRef idx="minor">
+            <a:schemeClr val="lt1"/>
+          </a:fontRef>
+        </p:style>
+        <p:txBody>
+          <a:bodyPr rtlCol="0" anchor="ctr"/>
+          <a:lstStyle/>
+          <a:p>
+            <a:pPr algn="ctr"/>
+            <a:r>
+              <a:rPr lang="ko-KR" altLang="en-US" dirty="0">
+                <a:solidFill>
+                  <a:schemeClr val="tx1"/>
+                </a:solidFill>
+              </a:rPr>
+              <a:t>등록하기</a:t>
+            </a:r>
+          </a:p>
+        </p:txBody>
+      </p:sp>
+      <p:sp>
+        <p:nvSpPr>
+          <p:cNvPr id="20" name="직사각형 19">
+            <a:extLst>
+              <a:ext uri="{FF2B5EF4-FFF2-40B4-BE49-F238E27FC236}">
+                <a16:creationId xmlns:a16="http://schemas.microsoft.com/office/drawing/2014/main" id="{FF75C466-FC40-4CE7-843A-57485624D9D1}"/>
+              </a:ext>
+            </a:extLst>
+          </p:cNvPr>
+          <p:cNvSpPr/>
+          <p:nvPr/>
+        </p:nvSpPr>
+        <p:spPr>
+          <a:xfrm>
+            <a:off x="5224942" y="4341305"/>
+            <a:ext cx="3306661" cy="1280716"/>
+          </a:xfrm>
+          <a:prstGeom prst="rect">
+            <a:avLst/>
+          </a:prstGeom>
+          <a:solidFill>
+            <a:schemeClr val="bg1"/>
+          </a:solidFill>
+        </p:spPr>
+        <p:style>
+          <a:lnRef idx="2">
+            <a:schemeClr val="accent1">
+              <a:shade val="15000"/>
+            </a:schemeClr>
+          </a:lnRef>
+          <a:fillRef idx="1">
+            <a:schemeClr val="accent1"/>
+          </a:fillRef>
+          <a:effectRef idx="0">
+            <a:schemeClr val="accent1"/>
+          </a:effectRef>
+          <a:fontRef idx="minor">
+            <a:schemeClr val="lt1"/>
+          </a:fontRef>
+        </p:style>
+        <p:txBody>
+          <a:bodyPr rtlCol="0" anchor="ctr"/>
+          <a:lstStyle/>
+          <a:p>
+            <a:pPr algn="ctr"/>
+            <a:endParaRPr lang="ko-KR" altLang="en-US" dirty="0">
+              <a:solidFill>
+                <a:schemeClr val="tx1"/>
+              </a:solidFill>
+            </a:endParaRPr>
+          </a:p>
+        </p:txBody>
+      </p:sp>
+      <p:sp>
+        <p:nvSpPr>
+          <p:cNvPr id="21" name="사각형: 둥근 모서리 20">
+            <a:extLst>
+              <a:ext uri="{FF2B5EF4-FFF2-40B4-BE49-F238E27FC236}">
+                <a16:creationId xmlns:a16="http://schemas.microsoft.com/office/drawing/2014/main" id="{D0F85014-3B6B-ECA1-340F-7D141A4F5386}"/>
+              </a:ext>
+            </a:extLst>
+          </p:cNvPr>
+          <p:cNvSpPr/>
+          <p:nvPr/>
+        </p:nvSpPr>
+        <p:spPr>
+          <a:xfrm>
+            <a:off x="10867937" y="82856"/>
+            <a:ext cx="1104551" cy="382733"/>
+          </a:xfrm>
+          <a:prstGeom prst="roundRect">
+            <a:avLst/>
+          </a:prstGeom>
+          <a:solidFill>
+            <a:schemeClr val="bg1"/>
+          </a:solidFill>
+          <a:ln>
+            <a:solidFill>
+              <a:schemeClr val="accent1"/>
+            </a:solidFill>
+          </a:ln>
+        </p:spPr>
+        <p:style>
+          <a:lnRef idx="2">
+            <a:schemeClr val="accent1">
+              <a:shade val="15000"/>
+            </a:schemeClr>
+          </a:lnRef>
+          <a:fillRef idx="1">
+            <a:schemeClr val="accent1"/>
+          </a:fillRef>
+          <a:effectRef idx="0">
+            <a:schemeClr val="accent1"/>
+          </a:effectRef>
+          <a:fontRef idx="minor">
+            <a:schemeClr val="lt1"/>
+          </a:fontRef>
+        </p:style>
+        <p:txBody>
+          <a:bodyPr rtlCol="0" anchor="ctr"/>
+          <a:lstStyle/>
+          <a:p>
+            <a:pPr algn="ctr"/>
+            <a:r>
+              <a:rPr lang="ko-KR" altLang="en-US" sz="1600" dirty="0">
+                <a:solidFill>
+                  <a:schemeClr val="tx1"/>
+                </a:solidFill>
+              </a:rPr>
+              <a:t>작성하기</a:t>
+            </a:r>
+          </a:p>
+        </p:txBody>
+      </p:sp>
+      <p:sp>
+        <p:nvSpPr>
+          <p:cNvPr id="22" name="말풍선: 모서리가 둥근 사각형 21">
+            <a:extLst>
+              <a:ext uri="{FF2B5EF4-FFF2-40B4-BE49-F238E27FC236}">
+                <a16:creationId xmlns:a16="http://schemas.microsoft.com/office/drawing/2014/main" id="{7F1F3B80-2B55-47E5-ADB1-C69BC284059F}"/>
+              </a:ext>
+            </a:extLst>
+          </p:cNvPr>
+          <p:cNvSpPr/>
+          <p:nvPr/>
+        </p:nvSpPr>
+        <p:spPr>
+          <a:xfrm>
+            <a:off x="9970663" y="1117886"/>
+            <a:ext cx="1409351" cy="420405"/>
+          </a:xfrm>
+          <a:prstGeom prst="wedgeRoundRectCallout">
+            <a:avLst>
+              <a:gd name="adj1" fmla="val 39839"/>
+              <a:gd name="adj2" fmla="val -182119"/>
+              <a:gd name="adj3" fmla="val 16667"/>
+            </a:avLst>
+          </a:prstGeom>
+          <a:solidFill>
+            <a:schemeClr val="bg1"/>
+          </a:solidFill>
+        </p:spPr>
+        <p:style>
+          <a:lnRef idx="2">
+            <a:schemeClr val="accent1">
+              <a:shade val="15000"/>
+            </a:schemeClr>
+          </a:lnRef>
+          <a:fillRef idx="1">
+            <a:schemeClr val="accent1"/>
+          </a:fillRef>
+          <a:effectRef idx="0">
+            <a:schemeClr val="accent1"/>
+          </a:effectRef>
+          <a:fontRef idx="minor">
+            <a:schemeClr val="lt1"/>
+          </a:fontRef>
+        </p:style>
+        <p:txBody>
+          <a:bodyPr rtlCol="0" anchor="ctr"/>
+          <a:lstStyle/>
+          <a:p>
+            <a:pPr algn="ctr"/>
+            <a:r>
+              <a:rPr lang="ko-KR" altLang="en-US" sz="1050" dirty="0">
+                <a:solidFill>
+                  <a:schemeClr val="tx1"/>
+                </a:solidFill>
+              </a:rPr>
+              <a:t>작성하기 누르면 </a:t>
+            </a:r>
+            <a:r>
+              <a:rPr lang="ko-KR" altLang="en-US" sz="1050" dirty="0" err="1">
+                <a:solidFill>
+                  <a:schemeClr val="tx1"/>
+                </a:solidFill>
+              </a:rPr>
+              <a:t>모달창이</a:t>
+            </a:r>
+            <a:r>
+              <a:rPr lang="ko-KR" altLang="en-US" sz="1050" dirty="0">
+                <a:solidFill>
+                  <a:schemeClr val="tx1"/>
+                </a:solidFill>
+              </a:rPr>
+              <a:t> 뜬다</a:t>
+            </a:r>
           </a:p>
         </p:txBody>
       </p:sp>
     </p:spTree>
     <p:extLst>
       <p:ext uri="{BB962C8B-B14F-4D97-AF65-F5344CB8AC3E}">
-        <p14:creationId xmlns:p14="http://schemas.microsoft.com/office/powerpoint/2010/main" val="103050315"/>
+        <p14:creationId xmlns:p14="http://schemas.microsoft.com/office/powerpoint/2010/main" val="2696585078"/>
       </p:ext>
     </p:extLst>
   </p:cSld>
@@ -5921,7 +9524,7 @@
 </p:sld>
 </file>
 
-<file path=ppt/slides/slide2.xml><?xml version="1.0" encoding="utf-8"?>
+<file path=ppt/slides/slide3.xml><?xml version="1.0" encoding="utf-8"?>
 <p:sld xmlns:a="http://schemas.openxmlformats.org/drawingml/2006/main" xmlns:r="http://schemas.openxmlformats.org/officeDocument/2006/relationships" xmlns:p="http://schemas.openxmlformats.org/presentationml/2006/main">
   <p:cSld>
     <p:spTree>
@@ -7143,6 +10746,390 @@
     <p:extLst>
       <p:ext uri="{BB962C8B-B14F-4D97-AF65-F5344CB8AC3E}">
         <p14:creationId xmlns:p14="http://schemas.microsoft.com/office/powerpoint/2010/main" val="982580188"/>
+      </p:ext>
+    </p:extLst>
+  </p:cSld>
+  <p:clrMapOvr>
+    <a:masterClrMapping/>
+  </p:clrMapOvr>
+</p:sld>
+</file>
+
+<file path=ppt/slides/slide4.xml><?xml version="1.0" encoding="utf-8"?>
+<p:sld xmlns:a="http://schemas.openxmlformats.org/drawingml/2006/main" xmlns:r="http://schemas.openxmlformats.org/officeDocument/2006/relationships" xmlns:p="http://schemas.openxmlformats.org/presentationml/2006/main">
+  <p:cSld>
+    <p:spTree>
+      <p:nvGrpSpPr>
+        <p:cNvPr id="1" name=""/>
+        <p:cNvGrpSpPr/>
+        <p:nvPr/>
+      </p:nvGrpSpPr>
+      <p:grpSpPr>
+        <a:xfrm>
+          <a:off x="0" y="0"/>
+          <a:ext cx="0" cy="0"/>
+          <a:chOff x="0" y="0"/>
+          <a:chExt cx="0" cy="0"/>
+        </a:xfrm>
+      </p:grpSpPr>
+      <p:sp>
+        <p:nvSpPr>
+          <p:cNvPr id="2" name="제목 1">
+            <a:extLst>
+              <a:ext uri="{FF2B5EF4-FFF2-40B4-BE49-F238E27FC236}">
+                <a16:creationId xmlns:a16="http://schemas.microsoft.com/office/drawing/2014/main" id="{19876BB4-7A3E-D951-133D-A779D684507B}"/>
+              </a:ext>
+            </a:extLst>
+          </p:cNvPr>
+          <p:cNvSpPr>
+            <a:spLocks noGrp="1"/>
+          </p:cNvSpPr>
+          <p:nvPr>
+            <p:ph type="title"/>
+          </p:nvPr>
+        </p:nvSpPr>
+        <p:spPr>
+          <a:xfrm>
+            <a:off x="209026" y="88289"/>
+            <a:ext cx="11778842" cy="658332"/>
+          </a:xfrm>
+        </p:spPr>
+        <p:txBody>
+          <a:bodyPr anchor="t">
+            <a:normAutofit/>
+          </a:bodyPr>
+          <a:lstStyle/>
+          <a:p>
+            <a:r>
+              <a:rPr lang="ko-KR" altLang="en-US" sz="2800"/>
+              <a:t>역할분담</a:t>
+            </a:r>
+          </a:p>
+        </p:txBody>
+      </p:sp>
+      <p:sp>
+        <p:nvSpPr>
+          <p:cNvPr id="3" name="내용 개체 틀 2">
+            <a:extLst>
+              <a:ext uri="{FF2B5EF4-FFF2-40B4-BE49-F238E27FC236}">
+                <a16:creationId xmlns:a16="http://schemas.microsoft.com/office/drawing/2014/main" id="{A7046FBB-C807-6F56-C0C9-E09C6AE0F7C6}"/>
+              </a:ext>
+            </a:extLst>
+          </p:cNvPr>
+          <p:cNvSpPr>
+            <a:spLocks noGrp="1"/>
+          </p:cNvSpPr>
+          <p:nvPr>
+            <p:ph idx="1"/>
+          </p:nvPr>
+        </p:nvSpPr>
+        <p:spPr>
+          <a:xfrm>
+            <a:off x="204132" y="676333"/>
+            <a:ext cx="11632734" cy="4351338"/>
+          </a:xfrm>
+        </p:spPr>
+        <p:txBody>
+          <a:bodyPr>
+            <a:normAutofit fontScale="92500"/>
+          </a:bodyPr>
+          <a:lstStyle/>
+          <a:p>
+            <a:r>
+              <a:rPr lang="ko-KR" altLang="en-US" dirty="0"/>
+              <a:t>김경훈</a:t>
+            </a:r>
+            <a:endParaRPr lang="en-US" altLang="ko-KR" dirty="0"/>
+          </a:p>
+          <a:p>
+            <a:r>
+              <a:rPr lang="ko-KR" altLang="en-US" dirty="0" err="1"/>
+              <a:t>김라임</a:t>
+            </a:r>
+            <a:endParaRPr lang="en-US" altLang="ko-KR" dirty="0"/>
+          </a:p>
+          <a:p>
+            <a:r>
+              <a:rPr lang="ko-KR" altLang="en-US" dirty="0" err="1"/>
+              <a:t>오다은</a:t>
+            </a:r>
+            <a:endParaRPr lang="en-US" altLang="ko-KR" dirty="0"/>
+          </a:p>
+          <a:p>
+            <a:r>
+              <a:rPr lang="ko-KR" altLang="en-US" dirty="0"/>
+              <a:t>김성진</a:t>
+            </a:r>
+            <a:endParaRPr lang="en-US" altLang="ko-KR" dirty="0"/>
+          </a:p>
+          <a:p>
+            <a:r>
+              <a:rPr lang="ko-KR" altLang="en-US" dirty="0"/>
+              <a:t>이수지</a:t>
+            </a:r>
+            <a:endParaRPr lang="en-US" altLang="ko-KR" dirty="0"/>
+          </a:p>
+          <a:p>
+            <a:endParaRPr lang="en-US" altLang="ko-KR" dirty="0"/>
+          </a:p>
+          <a:p>
+            <a:r>
+              <a:rPr lang="ko-KR" altLang="en-US" dirty="0"/>
+              <a:t>전체 뼈대잡기</a:t>
+            </a:r>
+            <a:r>
+              <a:rPr lang="en-US" altLang="ko-KR" dirty="0"/>
+              <a:t>, </a:t>
+            </a:r>
+            <a:r>
+              <a:rPr lang="ko-KR" altLang="en-US" dirty="0"/>
+              <a:t>카드 생성</a:t>
+            </a:r>
+            <a:r>
+              <a:rPr lang="en-US" altLang="ko-KR" dirty="0"/>
+              <a:t>, </a:t>
+            </a:r>
+            <a:r>
+              <a:rPr lang="ko-KR" altLang="en-US" dirty="0"/>
+              <a:t>작성하기 페이지 </a:t>
+            </a:r>
+            <a:r>
+              <a:rPr lang="en-US" altLang="ko-KR" dirty="0">
+                <a:sym typeface="Wingdings" panose="05000000000000000000" pitchFamily="2" charset="2"/>
+              </a:rPr>
+              <a:t> 3</a:t>
+            </a:r>
+            <a:r>
+              <a:rPr lang="ko-KR" altLang="en-US" dirty="0">
+                <a:sym typeface="Wingdings" panose="05000000000000000000" pitchFamily="2" charset="2"/>
+              </a:rPr>
+              <a:t>명</a:t>
+            </a:r>
+            <a:endParaRPr lang="en-US" altLang="ko-KR" dirty="0">
+              <a:sym typeface="Wingdings" panose="05000000000000000000" pitchFamily="2" charset="2"/>
+            </a:endParaRPr>
+          </a:p>
+          <a:p>
+            <a:r>
+              <a:rPr lang="ko-KR" altLang="en-US" dirty="0" err="1">
+                <a:sym typeface="Wingdings" panose="05000000000000000000" pitchFamily="2" charset="2"/>
+              </a:rPr>
+              <a:t>모달창</a:t>
+            </a:r>
+            <a:r>
+              <a:rPr lang="en-US" altLang="ko-KR" dirty="0">
+                <a:sym typeface="Wingdings" panose="05000000000000000000" pitchFamily="2" charset="2"/>
+              </a:rPr>
+              <a:t>,</a:t>
+            </a:r>
+            <a:r>
+              <a:rPr lang="ko-KR" altLang="en-US" dirty="0">
+                <a:sym typeface="Wingdings" panose="05000000000000000000" pitchFamily="2" charset="2"/>
+              </a:rPr>
+              <a:t> 카테고리 구분</a:t>
+            </a:r>
+            <a:r>
+              <a:rPr lang="en-US" altLang="ko-KR" dirty="0">
+                <a:sym typeface="Wingdings" panose="05000000000000000000" pitchFamily="2" charset="2"/>
+              </a:rPr>
+              <a:t>, </a:t>
+            </a:r>
+            <a:r>
+              <a:rPr lang="ko-KR" altLang="en-US" dirty="0" err="1">
+                <a:sym typeface="Wingdings" panose="05000000000000000000" pitchFamily="2" charset="2"/>
+              </a:rPr>
+              <a:t>파이어베이스</a:t>
+            </a:r>
+            <a:r>
+              <a:rPr lang="en-US" altLang="ko-KR" dirty="0">
+                <a:sym typeface="Wingdings" panose="05000000000000000000" pitchFamily="2" charset="2"/>
+              </a:rPr>
+              <a:t>, ‘</a:t>
+            </a:r>
+            <a:r>
+              <a:rPr lang="ko-KR" altLang="en-US" dirty="0">
+                <a:sym typeface="Wingdings" panose="05000000000000000000" pitchFamily="2" charset="2"/>
+              </a:rPr>
+              <a:t>공감</a:t>
+            </a:r>
+            <a:r>
+              <a:rPr lang="en-US" altLang="ko-KR" dirty="0">
+                <a:sym typeface="Wingdings" panose="05000000000000000000" pitchFamily="2" charset="2"/>
+              </a:rPr>
+              <a:t>’</a:t>
+            </a:r>
+            <a:r>
+              <a:rPr lang="ko-KR" altLang="en-US" dirty="0">
+                <a:sym typeface="Wingdings" panose="05000000000000000000" pitchFamily="2" charset="2"/>
+              </a:rPr>
+              <a:t> 같은 부수기능 삽입 </a:t>
+            </a:r>
+            <a:r>
+              <a:rPr lang="en-US" altLang="ko-KR" dirty="0">
+                <a:sym typeface="Wingdings" panose="05000000000000000000" pitchFamily="2" charset="2"/>
+              </a:rPr>
+              <a:t> 2</a:t>
+            </a:r>
+            <a:r>
+              <a:rPr lang="ko-KR" altLang="en-US" dirty="0">
+                <a:sym typeface="Wingdings" panose="05000000000000000000" pitchFamily="2" charset="2"/>
+              </a:rPr>
+              <a:t>명</a:t>
+            </a:r>
+            <a:endParaRPr lang="en-US" altLang="ko-KR" dirty="0">
+              <a:sym typeface="Wingdings" panose="05000000000000000000" pitchFamily="2" charset="2"/>
+            </a:endParaRPr>
+          </a:p>
+          <a:p>
+            <a:r>
+              <a:rPr lang="ko-KR" altLang="en-US" dirty="0">
+                <a:sym typeface="Wingdings" panose="05000000000000000000" pitchFamily="2" charset="2"/>
+              </a:rPr>
+              <a:t>배포</a:t>
+            </a:r>
+            <a:endParaRPr lang="ko-KR" altLang="en-US" dirty="0"/>
+          </a:p>
+        </p:txBody>
+      </p:sp>
+    </p:spTree>
+    <p:extLst>
+      <p:ext uri="{BB962C8B-B14F-4D97-AF65-F5344CB8AC3E}">
+        <p14:creationId xmlns:p14="http://schemas.microsoft.com/office/powerpoint/2010/main" val="756717613"/>
+      </p:ext>
+    </p:extLst>
+  </p:cSld>
+  <p:clrMapOvr>
+    <a:masterClrMapping/>
+  </p:clrMapOvr>
+</p:sld>
+</file>
+
+<file path=ppt/slides/slide5.xml><?xml version="1.0" encoding="utf-8"?>
+<p:sld xmlns:a="http://schemas.openxmlformats.org/drawingml/2006/main" xmlns:r="http://schemas.openxmlformats.org/officeDocument/2006/relationships" xmlns:p="http://schemas.openxmlformats.org/presentationml/2006/main">
+  <p:cSld>
+    <p:spTree>
+      <p:nvGrpSpPr>
+        <p:cNvPr id="1" name=""/>
+        <p:cNvGrpSpPr/>
+        <p:nvPr/>
+      </p:nvGrpSpPr>
+      <p:grpSpPr>
+        <a:xfrm>
+          <a:off x="0" y="0"/>
+          <a:ext cx="0" cy="0"/>
+          <a:chOff x="0" y="0"/>
+          <a:chExt cx="0" cy="0"/>
+        </a:xfrm>
+      </p:grpSpPr>
+      <p:sp>
+        <p:nvSpPr>
+          <p:cNvPr id="2" name="제목 1">
+            <a:extLst>
+              <a:ext uri="{FF2B5EF4-FFF2-40B4-BE49-F238E27FC236}">
+                <a16:creationId xmlns:a16="http://schemas.microsoft.com/office/drawing/2014/main" id="{F94D6DC4-E866-5331-1ADD-49BCC70B155E}"/>
+              </a:ext>
+            </a:extLst>
+          </p:cNvPr>
+          <p:cNvSpPr>
+            <a:spLocks noGrp="1"/>
+          </p:cNvSpPr>
+          <p:nvPr>
+            <p:ph type="title"/>
+          </p:nvPr>
+        </p:nvSpPr>
+        <p:spPr/>
+        <p:txBody>
+          <a:bodyPr/>
+          <a:lstStyle/>
+          <a:p>
+            <a:endParaRPr lang="ko-KR" altLang="en-US"/>
+          </a:p>
+        </p:txBody>
+      </p:sp>
+      <p:sp>
+        <p:nvSpPr>
+          <p:cNvPr id="3" name="내용 개체 틀 2">
+            <a:extLst>
+              <a:ext uri="{FF2B5EF4-FFF2-40B4-BE49-F238E27FC236}">
+                <a16:creationId xmlns:a16="http://schemas.microsoft.com/office/drawing/2014/main" id="{9089CB95-C50B-1618-C56A-86054DB3894A}"/>
+              </a:ext>
+            </a:extLst>
+          </p:cNvPr>
+          <p:cNvSpPr>
+            <a:spLocks noGrp="1"/>
+          </p:cNvSpPr>
+          <p:nvPr>
+            <p:ph idx="1"/>
+          </p:nvPr>
+        </p:nvSpPr>
+        <p:spPr/>
+        <p:txBody>
+          <a:bodyPr/>
+          <a:lstStyle/>
+          <a:p>
+            <a:endParaRPr lang="ko-KR" altLang="en-US" dirty="0"/>
+          </a:p>
+        </p:txBody>
+      </p:sp>
+      <p:pic>
+        <p:nvPicPr>
+          <p:cNvPr id="1026" name="Picture 2" descr="굿뉴스코 페스티벌 - 구독과 좋아요!'알람'설정까지 (๑˃̵ᴗ˂̵)و ♡... | Facebook">
+            <a:extLst>
+              <a:ext uri="{FF2B5EF4-FFF2-40B4-BE49-F238E27FC236}">
+                <a16:creationId xmlns:a16="http://schemas.microsoft.com/office/drawing/2014/main" id="{AEB7A690-E0D4-0CFE-A2E3-BC7710E6A841}"/>
+              </a:ext>
+            </a:extLst>
+          </p:cNvPr>
+          <p:cNvPicPr>
+            <a:picLocks noChangeAspect="1" noChangeArrowheads="1"/>
+          </p:cNvPicPr>
+          <p:nvPr/>
+        </p:nvPicPr>
+        <p:blipFill rotWithShape="1">
+          <a:blip r:embed="rId2">
+            <a:clrChange>
+              <a:clrFrom>
+                <a:srgbClr val="FFFFFF"/>
+              </a:clrFrom>
+              <a:clrTo>
+                <a:srgbClr val="FFFFFF">
+                  <a:alpha val="0"/>
+                </a:srgbClr>
+              </a:clrTo>
+            </a:clrChange>
+            <a:extLst>
+              <a:ext uri="{28A0092B-C50C-407E-A947-70E740481C1C}">
+                <a14:useLocalDpi xmlns:a14="http://schemas.microsoft.com/office/drawing/2010/main" val="0"/>
+              </a:ext>
+            </a:extLst>
+          </a:blip>
+          <a:srcRect l="49217" t="53801" r="30232" b="13696"/>
+          <a:stretch/>
+        </p:blipFill>
+        <p:spPr bwMode="auto">
+          <a:xfrm>
+            <a:off x="3397541" y="3489820"/>
+            <a:ext cx="587230" cy="520118"/>
+          </a:xfrm>
+          <a:prstGeom prst="rect">
+            <a:avLst/>
+          </a:prstGeom>
+          <a:noFill/>
+          <a:extLst>
+            <a:ext uri="{909E8E84-426E-40DD-AFC4-6F175D3DCCD1}">
+              <a14:hiddenFill xmlns:a14="http://schemas.microsoft.com/office/drawing/2010/main">
+                <a:solidFill>
+                  <a:srgbClr val="FFFFFF"/>
+                </a:solidFill>
+              </a14:hiddenFill>
+            </a:ext>
+          </a:extLst>
+        </p:spPr>
+      </p:pic>
+    </p:spTree>
+    <p:extLst>
+      <p:ext uri="{BB962C8B-B14F-4D97-AF65-F5344CB8AC3E}">
+        <p14:creationId xmlns:p14="http://schemas.microsoft.com/office/powerpoint/2010/main" val="1475359872"/>
       </p:ext>
     </p:extLst>
   </p:cSld>
